--- a/PPT/第三部分 软件测试应用/11.7 软件质量.pptx
+++ b/PPT/第三部分 软件测试应用/11.7 软件质量.pptx
@@ -5,37 +5,36 @@
     <p:sldMasterId id="2147483776" r:id="rId1"/>
   </p:sldMasterIdLst>
   <p:notesMasterIdLst>
-    <p:notesMasterId r:id="rId27"/>
+    <p:notesMasterId r:id="rId26"/>
   </p:notesMasterIdLst>
   <p:handoutMasterIdLst>
-    <p:handoutMasterId r:id="rId28"/>
+    <p:handoutMasterId r:id="rId27"/>
   </p:handoutMasterIdLst>
   <p:sldIdLst>
     <p:sldId id="256" r:id="rId2"/>
     <p:sldId id="285" r:id="rId3"/>
-    <p:sldId id="318" r:id="rId4"/>
-    <p:sldId id="324" r:id="rId5"/>
-    <p:sldId id="325" r:id="rId6"/>
-    <p:sldId id="326" r:id="rId7"/>
-    <p:sldId id="327" r:id="rId8"/>
-    <p:sldId id="328" r:id="rId9"/>
-    <p:sldId id="329" r:id="rId10"/>
-    <p:sldId id="330" r:id="rId11"/>
-    <p:sldId id="331" r:id="rId12"/>
-    <p:sldId id="332" r:id="rId13"/>
-    <p:sldId id="333" r:id="rId14"/>
-    <p:sldId id="334" r:id="rId15"/>
-    <p:sldId id="335" r:id="rId16"/>
-    <p:sldId id="336" r:id="rId17"/>
-    <p:sldId id="337" r:id="rId18"/>
-    <p:sldId id="338" r:id="rId19"/>
-    <p:sldId id="339" r:id="rId20"/>
-    <p:sldId id="340" r:id="rId21"/>
-    <p:sldId id="341" r:id="rId22"/>
-    <p:sldId id="342" r:id="rId23"/>
-    <p:sldId id="343" r:id="rId24"/>
-    <p:sldId id="344" r:id="rId25"/>
-    <p:sldId id="323" r:id="rId26"/>
+    <p:sldId id="324" r:id="rId4"/>
+    <p:sldId id="325" r:id="rId5"/>
+    <p:sldId id="326" r:id="rId6"/>
+    <p:sldId id="327" r:id="rId7"/>
+    <p:sldId id="328" r:id="rId8"/>
+    <p:sldId id="329" r:id="rId9"/>
+    <p:sldId id="330" r:id="rId10"/>
+    <p:sldId id="331" r:id="rId11"/>
+    <p:sldId id="332" r:id="rId12"/>
+    <p:sldId id="333" r:id="rId13"/>
+    <p:sldId id="334" r:id="rId14"/>
+    <p:sldId id="335" r:id="rId15"/>
+    <p:sldId id="336" r:id="rId16"/>
+    <p:sldId id="337" r:id="rId17"/>
+    <p:sldId id="338" r:id="rId18"/>
+    <p:sldId id="339" r:id="rId19"/>
+    <p:sldId id="340" r:id="rId20"/>
+    <p:sldId id="341" r:id="rId21"/>
+    <p:sldId id="342" r:id="rId22"/>
+    <p:sldId id="343" r:id="rId23"/>
+    <p:sldId id="344" r:id="rId24"/>
+    <p:sldId id="323" r:id="rId25"/>
   </p:sldIdLst>
   <p:sldSz cx="9144000" cy="6858000" type="screen4x3"/>
   <p:notesSz cx="6858000" cy="9144000"/>
@@ -887,98 +886,7 @@
       </p:grpSpPr>
       <p:sp>
         <p:nvSpPr>
-          <p:cNvPr id="2" name="幻灯片图像占位符 1"/>
-          <p:cNvSpPr>
-            <a:spLocks noGrp="1" noRot="1" noChangeAspect="1"/>
-          </p:cNvSpPr>
-          <p:nvPr>
-            <p:ph type="sldImg"/>
-          </p:nvPr>
-        </p:nvSpPr>
-        <p:spPr/>
-      </p:sp>
-      <p:sp>
-        <p:nvSpPr>
-          <p:cNvPr id="3" name="备注占位符 2"/>
-          <p:cNvSpPr>
-            <a:spLocks noGrp="1"/>
-          </p:cNvSpPr>
-          <p:nvPr>
-            <p:ph type="body" idx="1"/>
-          </p:nvPr>
-        </p:nvSpPr>
-        <p:spPr/>
-        <p:txBody>
-          <a:bodyPr>
-            <a:normAutofit/>
-          </a:bodyPr>
-          <a:lstStyle/>
-          <a:p>
-            <a:r>
-              <a:rPr lang="zh-CN" altLang="en-US" dirty="0" smtClean="0"/>
-              <a:t>公司内部测试结束前的总结性文档</a:t>
-            </a:r>
-            <a:endParaRPr lang="zh-CN" altLang="en-US" dirty="0"/>
-          </a:p>
-        </p:txBody>
-      </p:sp>
-      <p:sp>
-        <p:nvSpPr>
-          <p:cNvPr id="4" name="灯片编号占位符 3"/>
-          <p:cNvSpPr>
-            <a:spLocks noGrp="1"/>
-          </p:cNvSpPr>
-          <p:nvPr>
-            <p:ph type="sldNum" sz="quarter" idx="10"/>
-          </p:nvPr>
-        </p:nvSpPr>
-        <p:spPr/>
-        <p:txBody>
-          <a:bodyPr/>
-          <a:lstStyle/>
-          <a:p>
-            <a:pPr>
-              <a:defRPr/>
-            </a:pPr>
-            <a:fld id="{CBFB72AA-FFA9-427A-8480-5ACFBD2982FB}" type="slidenum">
-              <a:rPr lang="zh-CN" altLang="en-US" smtClean="0"/>
-              <a:pPr>
-                <a:defRPr/>
-              </a:pPr>
-              <a:t>3</a:t>
-            </a:fld>
-            <a:endParaRPr lang="en-US" altLang="zh-CN"/>
-          </a:p>
-        </p:txBody>
-      </p:sp>
-    </p:spTree>
-  </p:cSld>
-  <p:clrMapOvr>
-    <a:masterClrMapping/>
-  </p:clrMapOvr>
-</p:notes>
-</file>
-
-<file path=ppt/notesSlides/notesSlide10.xml><?xml version="1.0" encoding="utf-8"?>
-<p:notes xmlns:a="http://schemas.openxmlformats.org/drawingml/2006/main" xmlns:r="http://schemas.openxmlformats.org/officeDocument/2006/relationships" xmlns:p="http://schemas.openxmlformats.org/presentationml/2006/main">
-  <p:cSld>
-    <p:spTree>
-      <p:nvGrpSpPr>
-        <p:cNvPr id="1" name=""/>
-        <p:cNvGrpSpPr/>
-        <p:nvPr/>
-      </p:nvGrpSpPr>
-      <p:grpSpPr>
-        <a:xfrm>
-          <a:off x="0" y="0"/>
-          <a:ext cx="0" cy="0"/>
-          <a:chOff x="0" y="0"/>
-          <a:chExt cx="0" cy="0"/>
-        </a:xfrm>
-      </p:grpSpPr>
-      <p:sp>
-        <p:nvSpPr>
-          <p:cNvPr id="48130" name="幻灯片图像占位符 1"/>
+          <p:cNvPr id="40962" name="幻灯片图像占位符 1"/>
           <p:cNvSpPr>
             <a:spLocks noGrp="1" noRot="1" noChangeAspect="1" noTextEdit="1"/>
           </p:cNvSpPr>
@@ -992,7 +900,7 @@
       </p:sp>
       <p:sp>
         <p:nvSpPr>
-          <p:cNvPr id="3" name="备注占位符 2"/>
+          <p:cNvPr id="40963" name="备注占位符 2"/>
           <p:cNvSpPr>
             <a:spLocks noGrp="1"/>
           </p:cNvSpPr>
@@ -1000,117 +908,24 @@
             <p:ph type="body" idx="1"/>
           </p:nvPr>
         </p:nvSpPr>
-        <p:spPr/>
+        <p:spPr>
+          <a:noFill/>
+          <a:ln/>
+        </p:spPr>
         <p:txBody>
-          <a:bodyPr>
-            <a:normAutofit/>
-          </a:bodyPr>
+          <a:bodyPr/>
           <a:lstStyle/>
           <a:p>
             <a:pPr eaLnBrk="1" hangingPunct="1"/>
-            <a:r>
-              <a:rPr lang="zh-CN" altLang="en-US" dirty="0" smtClean="0"/>
-              <a:t>华为的印度研究所过了</a:t>
-            </a:r>
-            <a:r>
-              <a:rPr lang="en-US" altLang="zh-CN" dirty="0" smtClean="0"/>
-              <a:t>CMM5</a:t>
-            </a:r>
-            <a:r>
-              <a:rPr lang="zh-CN" altLang="en-US" dirty="0" smtClean="0"/>
-              <a:t>级，北京研究所</a:t>
-            </a:r>
-            <a:r>
-              <a:rPr lang="en-US" altLang="zh-CN" dirty="0" smtClean="0"/>
-              <a:t>CMM4</a:t>
-            </a:r>
-            <a:r>
-              <a:rPr lang="zh-CN" altLang="en-US" dirty="0" smtClean="0"/>
-              <a:t>，东软过了</a:t>
-            </a:r>
-            <a:r>
-              <a:rPr lang="en-US" altLang="zh-CN" dirty="0" smtClean="0"/>
-              <a:t>CMM5</a:t>
-            </a:r>
-            <a:r>
-              <a:rPr lang="zh-CN" altLang="en-US" dirty="0" smtClean="0"/>
-              <a:t>级</a:t>
-            </a:r>
-            <a:endParaRPr lang="en-US" altLang="zh-CN" dirty="0" smtClean="0"/>
-          </a:p>
-          <a:p>
-            <a:pPr eaLnBrk="1" hangingPunct="1"/>
-            <a:endParaRPr lang="en-US" altLang="zh-CN" dirty="0" smtClean="0"/>
-          </a:p>
-          <a:p>
-            <a:pPr eaLnBrk="1" hangingPunct="1"/>
-            <a:r>
-              <a:rPr lang="en-US" altLang="zh-CN" dirty="0" smtClean="0"/>
-              <a:t>1987</a:t>
-            </a:r>
-            <a:r>
-              <a:rPr lang="zh-CN" altLang="en-US" dirty="0" smtClean="0"/>
-              <a:t>年，美国卡内基</a:t>
-            </a:r>
-            <a:r>
-              <a:rPr lang="en-US" altLang="zh-CN" dirty="0" smtClean="0"/>
-              <a:t>. </a:t>
-            </a:r>
-            <a:r>
-              <a:rPr lang="zh-CN" altLang="en-US" dirty="0" smtClean="0"/>
-              <a:t>梅隆大学</a:t>
-            </a:r>
-            <a:r>
-              <a:rPr lang="zh-CN" altLang="en-US" dirty="0" smtClean="0">
-                <a:hlinkClick r:id="rId3" action="ppaction://hlinkfile"/>
-              </a:rPr>
-              <a:t>软件研究所</a:t>
-            </a:r>
-            <a:r>
-              <a:rPr lang="zh-CN" altLang="en-US" dirty="0" smtClean="0"/>
-              <a:t>（</a:t>
-            </a:r>
-            <a:r>
-              <a:rPr lang="en-US" altLang="zh-CN" dirty="0" smtClean="0"/>
-              <a:t>SEI</a:t>
-            </a:r>
-            <a:r>
-              <a:rPr lang="zh-CN" altLang="en-US" dirty="0" smtClean="0"/>
-              <a:t>）受美国国防部的委托，率先在软件行业从软件过程能力的角度提出了</a:t>
-            </a:r>
-            <a:r>
-              <a:rPr lang="zh-CN" altLang="en-US" dirty="0" smtClean="0">
-                <a:hlinkClick r:id="rId4" action="ppaction://hlinkfile"/>
-              </a:rPr>
-              <a:t>软件过程成熟度</a:t>
-            </a:r>
-            <a:r>
-              <a:rPr lang="zh-CN" altLang="en-US" dirty="0" smtClean="0"/>
-              <a:t>模型（</a:t>
-            </a:r>
-            <a:r>
-              <a:rPr lang="en-US" altLang="zh-CN" dirty="0" smtClean="0"/>
-              <a:t>CMM</a:t>
-            </a:r>
-            <a:r>
-              <a:rPr lang="zh-CN" altLang="en-US" dirty="0" smtClean="0"/>
-              <a:t>），随后在全世界推广实施的一种软件评估标准，用于评价软件承包能力并帮助其改善软件质量的方法。</a:t>
-            </a:r>
-            <a:endParaRPr lang="en-US" altLang="zh-CN" dirty="0" smtClean="0"/>
-          </a:p>
-          <a:p>
-            <a:pPr eaLnBrk="1" hangingPunct="1"/>
-            <a:endParaRPr lang="en-US" altLang="zh-CN" dirty="0" smtClean="0"/>
-          </a:p>
-          <a:p>
-            <a:pPr eaLnBrk="1" hangingPunct="1"/>
-            <a:endParaRPr lang="en-US" altLang="zh-CN" dirty="0" smtClean="0"/>
+            <a:endParaRPr lang="zh-CN" altLang="en-US" dirty="0" smtClean="0">
+              <a:latin typeface="Arial" pitchFamily="34" charset="0"/>
+            </a:endParaRPr>
           </a:p>
         </p:txBody>
       </p:sp>
       <p:sp>
         <p:nvSpPr>
-          <p:cNvPr id="31747" name="灯片编号占位符 3"/>
+          <p:cNvPr id="17411" name="灯片编号占位符 3"/>
           <p:cNvSpPr>
             <a:spLocks noGrp="1"/>
           </p:cNvSpPr>
@@ -1126,12 +941,12 @@
             <a:pPr>
               <a:defRPr/>
             </a:pPr>
-            <a:fld id="{00348517-B9F8-47E5-98BF-2BCC68DD40A2}" type="slidenum">
+            <a:fld id="{0CECF045-2526-4BC7-88F7-69614BC2ADAF}" type="slidenum">
               <a:rPr lang="zh-CN" altLang="en-US" smtClean="0"/>
               <a:pPr>
                 <a:defRPr/>
               </a:pPr>
-              <a:t>13</a:t>
+              <a:t>3</a:t>
             </a:fld>
             <a:endParaRPr lang="en-US" altLang="zh-CN" smtClean="0"/>
           </a:p>
@@ -1145,7 +960,7 @@
 </p:notes>
 </file>
 
-<file path=ppt/notesSlides/notesSlide11.xml><?xml version="1.0" encoding="utf-8"?>
+<file path=ppt/notesSlides/notesSlide10.xml><?xml version="1.0" encoding="utf-8"?>
 <p:notes xmlns:a="http://schemas.openxmlformats.org/drawingml/2006/main" xmlns:r="http://schemas.openxmlformats.org/officeDocument/2006/relationships" xmlns:p="http://schemas.openxmlformats.org/presentationml/2006/main">
   <p:cSld>
     <p:spTree>
@@ -1230,7 +1045,7 @@
               <a:pPr>
                 <a:defRPr/>
               </a:pPr>
-              <a:t>14</a:t>
+              <a:t>13</a:t>
             </a:fld>
             <a:endParaRPr lang="en-US" altLang="zh-CN" smtClean="0"/>
           </a:p>
@@ -1244,7 +1059,7 @@
 </p:notes>
 </file>
 
-<file path=ppt/notesSlides/notesSlide12.xml><?xml version="1.0" encoding="utf-8"?>
+<file path=ppt/notesSlides/notesSlide11.xml><?xml version="1.0" encoding="utf-8"?>
 <p:notes xmlns:a="http://schemas.openxmlformats.org/drawingml/2006/main" xmlns:r="http://schemas.openxmlformats.org/officeDocument/2006/relationships" xmlns:p="http://schemas.openxmlformats.org/presentationml/2006/main">
   <p:cSld>
     <p:spTree>
@@ -1332,7 +1147,7 @@
               <a:pPr>
                 <a:defRPr/>
               </a:pPr>
-              <a:t>15</a:t>
+              <a:t>14</a:t>
             </a:fld>
             <a:endParaRPr lang="en-US" altLang="zh-CN" smtClean="0"/>
           </a:p>
@@ -1346,7 +1161,7 @@
 </p:notes>
 </file>
 
-<file path=ppt/notesSlides/notesSlide13.xml><?xml version="1.0" encoding="utf-8"?>
+<file path=ppt/notesSlides/notesSlide12.xml><?xml version="1.0" encoding="utf-8"?>
 <p:notes xmlns:a="http://schemas.openxmlformats.org/drawingml/2006/main" xmlns:r="http://schemas.openxmlformats.org/officeDocument/2006/relationships" xmlns:p="http://schemas.openxmlformats.org/presentationml/2006/main">
   <p:cSld>
     <p:spTree>
@@ -1457,7 +1272,7 @@
               <a:pPr>
                 <a:defRPr/>
               </a:pPr>
-              <a:t>16</a:t>
+              <a:t>15</a:t>
             </a:fld>
             <a:endParaRPr lang="en-US" altLang="zh-CN" smtClean="0"/>
           </a:p>
@@ -1471,7 +1286,7 @@
 </p:notes>
 </file>
 
-<file path=ppt/notesSlides/notesSlide14.xml><?xml version="1.0" encoding="utf-8"?>
+<file path=ppt/notesSlides/notesSlide13.xml><?xml version="1.0" encoding="utf-8"?>
 <p:notes xmlns:a="http://schemas.openxmlformats.org/drawingml/2006/main" xmlns:r="http://schemas.openxmlformats.org/officeDocument/2006/relationships" xmlns:p="http://schemas.openxmlformats.org/presentationml/2006/main">
   <p:cSld>
     <p:spTree>
@@ -1620,7 +1435,7 @@
               <a:pPr>
                 <a:defRPr/>
               </a:pPr>
-              <a:t>17</a:t>
+              <a:t>16</a:t>
             </a:fld>
             <a:endParaRPr lang="en-US" altLang="zh-CN" smtClean="0"/>
           </a:p>
@@ -1634,7 +1449,7 @@
 </p:notes>
 </file>
 
-<file path=ppt/notesSlides/notesSlide15.xml><?xml version="1.0" encoding="utf-8"?>
+<file path=ppt/notesSlides/notesSlide14.xml><?xml version="1.0" encoding="utf-8"?>
 <p:notes xmlns:a="http://schemas.openxmlformats.org/drawingml/2006/main" xmlns:r="http://schemas.openxmlformats.org/officeDocument/2006/relationships" xmlns:p="http://schemas.openxmlformats.org/presentationml/2006/main">
   <p:cSld>
     <p:spTree>
@@ -1707,7 +1522,7 @@
               <a:pPr>
                 <a:defRPr/>
               </a:pPr>
-              <a:t>18</a:t>
+              <a:t>17</a:t>
             </a:fld>
             <a:endParaRPr lang="en-US" altLang="zh-CN" dirty="0"/>
           </a:p>
@@ -1721,7 +1536,7 @@
 </p:notes>
 </file>
 
-<file path=ppt/notesSlides/notesSlide16.xml><?xml version="1.0" encoding="utf-8"?>
+<file path=ppt/notesSlides/notesSlide15.xml><?xml version="1.0" encoding="utf-8"?>
 <p:notes xmlns:a="http://schemas.openxmlformats.org/drawingml/2006/main" xmlns:r="http://schemas.openxmlformats.org/officeDocument/2006/relationships" xmlns:p="http://schemas.openxmlformats.org/presentationml/2006/main">
   <p:cSld>
     <p:spTree>
@@ -1852,7 +1667,7 @@
               <a:pPr>
                 <a:defRPr/>
               </a:pPr>
-              <a:t>19</a:t>
+              <a:t>18</a:t>
             </a:fld>
             <a:endParaRPr lang="en-US" altLang="zh-CN" smtClean="0"/>
           </a:p>
@@ -1866,7 +1681,7 @@
 </p:notes>
 </file>
 
-<file path=ppt/notesSlides/notesSlide17.xml><?xml version="1.0" encoding="utf-8"?>
+<file path=ppt/notesSlides/notesSlide16.xml><?xml version="1.0" encoding="utf-8"?>
 <p:notes xmlns:a="http://schemas.openxmlformats.org/drawingml/2006/main" xmlns:r="http://schemas.openxmlformats.org/officeDocument/2006/relationships" xmlns:p="http://schemas.openxmlformats.org/presentationml/2006/main">
   <p:cSld>
     <p:spTree>
@@ -1939,7 +1754,7 @@
               <a:pPr>
                 <a:defRPr/>
               </a:pPr>
-              <a:t>20</a:t>
+              <a:t>19</a:t>
             </a:fld>
             <a:endParaRPr lang="en-US" altLang="zh-CN" dirty="0"/>
           </a:p>
@@ -1953,7 +1768,7 @@
 </p:notes>
 </file>
 
-<file path=ppt/notesSlides/notesSlide18.xml><?xml version="1.0" encoding="utf-8"?>
+<file path=ppt/notesSlides/notesSlide17.xml><?xml version="1.0" encoding="utf-8"?>
 <p:notes xmlns:a="http://schemas.openxmlformats.org/drawingml/2006/main" xmlns:r="http://schemas.openxmlformats.org/officeDocument/2006/relationships" xmlns:p="http://schemas.openxmlformats.org/presentationml/2006/main">
   <p:cSld>
     <p:spTree>
@@ -2081,7 +1896,7 @@
               <a:pPr>
                 <a:defRPr/>
               </a:pPr>
-              <a:t>21</a:t>
+              <a:t>20</a:t>
             </a:fld>
             <a:endParaRPr lang="en-US" altLang="zh-CN" smtClean="0"/>
           </a:p>
@@ -2095,7 +1910,7 @@
 </p:notes>
 </file>
 
-<file path=ppt/notesSlides/notesSlide19.xml><?xml version="1.0" encoding="utf-8"?>
+<file path=ppt/notesSlides/notesSlide18.xml><?xml version="1.0" encoding="utf-8"?>
 <p:notes xmlns:a="http://schemas.openxmlformats.org/drawingml/2006/main" xmlns:r="http://schemas.openxmlformats.org/officeDocument/2006/relationships" xmlns:p="http://schemas.openxmlformats.org/presentationml/2006/main">
   <p:cSld>
     <p:spTree>
@@ -2168,7 +1983,7 @@
               <a:pPr>
                 <a:defRPr/>
               </a:pPr>
-              <a:t>22</a:t>
+              <a:t>21</a:t>
             </a:fld>
             <a:endParaRPr lang="en-US" altLang="zh-CN" dirty="0"/>
           </a:p>
@@ -2182,100 +1997,7 @@
 </p:notes>
 </file>
 
-<file path=ppt/notesSlides/notesSlide2.xml><?xml version="1.0" encoding="utf-8"?>
-<p:notes xmlns:a="http://schemas.openxmlformats.org/drawingml/2006/main" xmlns:r="http://schemas.openxmlformats.org/officeDocument/2006/relationships" xmlns:p="http://schemas.openxmlformats.org/presentationml/2006/main">
-  <p:cSld>
-    <p:spTree>
-      <p:nvGrpSpPr>
-        <p:cNvPr id="1" name=""/>
-        <p:cNvGrpSpPr/>
-        <p:nvPr/>
-      </p:nvGrpSpPr>
-      <p:grpSpPr>
-        <a:xfrm>
-          <a:off x="0" y="0"/>
-          <a:ext cx="0" cy="0"/>
-          <a:chOff x="0" y="0"/>
-          <a:chExt cx="0" cy="0"/>
-        </a:xfrm>
-      </p:grpSpPr>
-      <p:sp>
-        <p:nvSpPr>
-          <p:cNvPr id="40962" name="幻灯片图像占位符 1"/>
-          <p:cNvSpPr>
-            <a:spLocks noGrp="1" noRot="1" noChangeAspect="1" noTextEdit="1"/>
-          </p:cNvSpPr>
-          <p:nvPr>
-            <p:ph type="sldImg"/>
-          </p:nvPr>
-        </p:nvSpPr>
-        <p:spPr>
-          <a:ln/>
-        </p:spPr>
-      </p:sp>
-      <p:sp>
-        <p:nvSpPr>
-          <p:cNvPr id="40963" name="备注占位符 2"/>
-          <p:cNvSpPr>
-            <a:spLocks noGrp="1"/>
-          </p:cNvSpPr>
-          <p:nvPr>
-            <p:ph type="body" idx="1"/>
-          </p:nvPr>
-        </p:nvSpPr>
-        <p:spPr>
-          <a:noFill/>
-          <a:ln/>
-        </p:spPr>
-        <p:txBody>
-          <a:bodyPr/>
-          <a:lstStyle/>
-          <a:p>
-            <a:pPr eaLnBrk="1" hangingPunct="1"/>
-            <a:endParaRPr lang="zh-CN" altLang="en-US" dirty="0" smtClean="0">
-              <a:latin typeface="Arial" pitchFamily="34" charset="0"/>
-            </a:endParaRPr>
-          </a:p>
-        </p:txBody>
-      </p:sp>
-      <p:sp>
-        <p:nvSpPr>
-          <p:cNvPr id="17411" name="灯片编号占位符 3"/>
-          <p:cNvSpPr>
-            <a:spLocks noGrp="1"/>
-          </p:cNvSpPr>
-          <p:nvPr>
-            <p:ph type="sldNum" sz="quarter" idx="5"/>
-          </p:nvPr>
-        </p:nvSpPr>
-        <p:spPr/>
-        <p:txBody>
-          <a:bodyPr/>
-          <a:lstStyle/>
-          <a:p>
-            <a:pPr>
-              <a:defRPr/>
-            </a:pPr>
-            <a:fld id="{0CECF045-2526-4BC7-88F7-69614BC2ADAF}" type="slidenum">
-              <a:rPr lang="zh-CN" altLang="en-US" smtClean="0"/>
-              <a:pPr>
-                <a:defRPr/>
-              </a:pPr>
-              <a:t>4</a:t>
-            </a:fld>
-            <a:endParaRPr lang="en-US" altLang="zh-CN" smtClean="0"/>
-          </a:p>
-        </p:txBody>
-      </p:sp>
-    </p:spTree>
-  </p:cSld>
-  <p:clrMapOvr>
-    <a:masterClrMapping/>
-  </p:clrMapOvr>
-</p:notes>
-</file>
-
-<file path=ppt/notesSlides/notesSlide20.xml><?xml version="1.0" encoding="utf-8"?>
+<file path=ppt/notesSlides/notesSlide19.xml><?xml version="1.0" encoding="utf-8"?>
 <p:notes xmlns:a="http://schemas.openxmlformats.org/drawingml/2006/main" xmlns:r="http://schemas.openxmlformats.org/officeDocument/2006/relationships" xmlns:p="http://schemas.openxmlformats.org/presentationml/2006/main">
   <p:cSld>
     <p:spTree>
@@ -2429,7 +2151,7 @@
               <a:pPr>
                 <a:defRPr/>
               </a:pPr>
-              <a:t>23</a:t>
+              <a:t>22</a:t>
             </a:fld>
             <a:endParaRPr lang="en-US" altLang="zh-CN" smtClean="0"/>
           </a:p>
@@ -2443,7 +2165,91 @@
 </p:notes>
 </file>
 
-<file path=ppt/notesSlides/notesSlide21.xml><?xml version="1.0" encoding="utf-8"?>
+<file path=ppt/notesSlides/notesSlide2.xml><?xml version="1.0" encoding="utf-8"?>
+<p:notes xmlns:a="http://schemas.openxmlformats.org/drawingml/2006/main" xmlns:r="http://schemas.openxmlformats.org/officeDocument/2006/relationships" xmlns:p="http://schemas.openxmlformats.org/presentationml/2006/main">
+  <p:cSld>
+    <p:spTree>
+      <p:nvGrpSpPr>
+        <p:cNvPr id="1" name=""/>
+        <p:cNvGrpSpPr/>
+        <p:nvPr/>
+      </p:nvGrpSpPr>
+      <p:grpSpPr>
+        <a:xfrm>
+          <a:off x="0" y="0"/>
+          <a:ext cx="0" cy="0"/>
+          <a:chOff x="0" y="0"/>
+          <a:chExt cx="0" cy="0"/>
+        </a:xfrm>
+      </p:grpSpPr>
+      <p:sp>
+        <p:nvSpPr>
+          <p:cNvPr id="2" name="幻灯片图像占位符 1"/>
+          <p:cNvSpPr>
+            <a:spLocks noGrp="1" noRot="1" noChangeAspect="1"/>
+          </p:cNvSpPr>
+          <p:nvPr>
+            <p:ph type="sldImg"/>
+          </p:nvPr>
+        </p:nvSpPr>
+        <p:spPr/>
+      </p:sp>
+      <p:sp>
+        <p:nvSpPr>
+          <p:cNvPr id="3" name="备注占位符 2"/>
+          <p:cNvSpPr>
+            <a:spLocks noGrp="1"/>
+          </p:cNvSpPr>
+          <p:nvPr>
+            <p:ph type="body" idx="1"/>
+          </p:nvPr>
+        </p:nvSpPr>
+        <p:spPr/>
+        <p:txBody>
+          <a:bodyPr/>
+          <a:lstStyle/>
+          <a:p>
+            <a:endParaRPr lang="zh-CN" altLang="en-US" dirty="0"/>
+          </a:p>
+        </p:txBody>
+      </p:sp>
+      <p:sp>
+        <p:nvSpPr>
+          <p:cNvPr id="4" name="灯片编号占位符 3"/>
+          <p:cNvSpPr>
+            <a:spLocks noGrp="1"/>
+          </p:cNvSpPr>
+          <p:nvPr>
+            <p:ph type="sldNum" sz="quarter" idx="10"/>
+          </p:nvPr>
+        </p:nvSpPr>
+        <p:spPr/>
+        <p:txBody>
+          <a:bodyPr/>
+          <a:lstStyle/>
+          <a:p>
+            <a:fld id="{7E6D7D06-67E9-4228-9B8A-6529393A6330}" type="slidenum">
+              <a:rPr lang="zh-CN" altLang="en-US" smtClean="0"/>
+              <a:t>4</a:t>
+            </a:fld>
+            <a:endParaRPr lang="zh-CN" altLang="en-US"/>
+          </a:p>
+        </p:txBody>
+      </p:sp>
+    </p:spTree>
+    <p:extLst>
+      <p:ext uri="{BB962C8B-B14F-4D97-AF65-F5344CB8AC3E}">
+        <p14:creationId xmlns:p14="http://schemas.microsoft.com/office/powerpoint/2010/main" val="3322290099"/>
+      </p:ext>
+    </p:extLst>
+  </p:cSld>
+  <p:clrMapOvr>
+    <a:masterClrMapping/>
+  </p:clrMapOvr>
+</p:notes>
+</file>
+
+<file path=ppt/notesSlides/notesSlide20.xml><?xml version="1.0" encoding="utf-8"?>
 <p:notes xmlns:a="http://schemas.openxmlformats.org/drawingml/2006/main" xmlns:r="http://schemas.openxmlformats.org/officeDocument/2006/relationships" xmlns:p="http://schemas.openxmlformats.org/presentationml/2006/main">
   <p:cSld>
     <p:spTree>
@@ -2516,7 +2322,7 @@
               <a:pPr>
                 <a:defRPr/>
               </a:pPr>
-              <a:t>24</a:t>
+              <a:t>23</a:t>
             </a:fld>
             <a:endParaRPr lang="en-US" altLang="zh-CN" dirty="0"/>
           </a:p>
@@ -2531,90 +2337,6 @@
 </file>
 
 <file path=ppt/notesSlides/notesSlide3.xml><?xml version="1.0" encoding="utf-8"?>
-<p:notes xmlns:a="http://schemas.openxmlformats.org/drawingml/2006/main" xmlns:r="http://schemas.openxmlformats.org/officeDocument/2006/relationships" xmlns:p="http://schemas.openxmlformats.org/presentationml/2006/main">
-  <p:cSld>
-    <p:spTree>
-      <p:nvGrpSpPr>
-        <p:cNvPr id="1" name=""/>
-        <p:cNvGrpSpPr/>
-        <p:nvPr/>
-      </p:nvGrpSpPr>
-      <p:grpSpPr>
-        <a:xfrm>
-          <a:off x="0" y="0"/>
-          <a:ext cx="0" cy="0"/>
-          <a:chOff x="0" y="0"/>
-          <a:chExt cx="0" cy="0"/>
-        </a:xfrm>
-      </p:grpSpPr>
-      <p:sp>
-        <p:nvSpPr>
-          <p:cNvPr id="2" name="幻灯片图像占位符 1"/>
-          <p:cNvSpPr>
-            <a:spLocks noGrp="1" noRot="1" noChangeAspect="1"/>
-          </p:cNvSpPr>
-          <p:nvPr>
-            <p:ph type="sldImg"/>
-          </p:nvPr>
-        </p:nvSpPr>
-        <p:spPr/>
-      </p:sp>
-      <p:sp>
-        <p:nvSpPr>
-          <p:cNvPr id="3" name="备注占位符 2"/>
-          <p:cNvSpPr>
-            <a:spLocks noGrp="1"/>
-          </p:cNvSpPr>
-          <p:nvPr>
-            <p:ph type="body" idx="1"/>
-          </p:nvPr>
-        </p:nvSpPr>
-        <p:spPr/>
-        <p:txBody>
-          <a:bodyPr/>
-          <a:lstStyle/>
-          <a:p>
-            <a:endParaRPr lang="zh-CN" altLang="en-US" dirty="0"/>
-          </a:p>
-        </p:txBody>
-      </p:sp>
-      <p:sp>
-        <p:nvSpPr>
-          <p:cNvPr id="4" name="灯片编号占位符 3"/>
-          <p:cNvSpPr>
-            <a:spLocks noGrp="1"/>
-          </p:cNvSpPr>
-          <p:nvPr>
-            <p:ph type="sldNum" sz="quarter" idx="10"/>
-          </p:nvPr>
-        </p:nvSpPr>
-        <p:spPr/>
-        <p:txBody>
-          <a:bodyPr/>
-          <a:lstStyle/>
-          <a:p>
-            <a:fld id="{7E6D7D06-67E9-4228-9B8A-6529393A6330}" type="slidenum">
-              <a:rPr lang="zh-CN" altLang="en-US" smtClean="0"/>
-              <a:t>5</a:t>
-            </a:fld>
-            <a:endParaRPr lang="zh-CN" altLang="en-US"/>
-          </a:p>
-        </p:txBody>
-      </p:sp>
-    </p:spTree>
-    <p:extLst>
-      <p:ext uri="{BB962C8B-B14F-4D97-AF65-F5344CB8AC3E}">
-        <p14:creationId xmlns:p14="http://schemas.microsoft.com/office/powerpoint/2010/main" val="3322290099"/>
-      </p:ext>
-    </p:extLst>
-  </p:cSld>
-  <p:clrMapOvr>
-    <a:masterClrMapping/>
-  </p:clrMapOvr>
-</p:notes>
-</file>
-
-<file path=ppt/notesSlides/notesSlide4.xml><?xml version="1.0" encoding="utf-8"?>
 <p:notes xmlns:a="http://schemas.openxmlformats.org/drawingml/2006/main" xmlns:r="http://schemas.openxmlformats.org/officeDocument/2006/relationships" xmlns:p="http://schemas.openxmlformats.org/presentationml/2006/main">
   <p:cSld>
     <p:spTree>
@@ -2897,7 +2619,7 @@
               <a:pPr>
                 <a:defRPr/>
               </a:pPr>
-              <a:t>6</a:t>
+              <a:t>5</a:t>
             </a:fld>
             <a:endParaRPr lang="en-US" altLang="zh-CN" smtClean="0"/>
           </a:p>
@@ -2911,7 +2633,7 @@
 </p:notes>
 </file>
 
-<file path=ppt/notesSlides/notesSlide5.xml><?xml version="1.0" encoding="utf-8"?>
+<file path=ppt/notesSlides/notesSlide4.xml><?xml version="1.0" encoding="utf-8"?>
 <p:notes xmlns:a="http://schemas.openxmlformats.org/drawingml/2006/main" xmlns:r="http://schemas.openxmlformats.org/officeDocument/2006/relationships" xmlns:p="http://schemas.openxmlformats.org/presentationml/2006/main">
   <p:cSld>
     <p:spTree>
@@ -2999,7 +2721,7 @@
           <a:p>
             <a:fld id="{7E6D7D06-67E9-4228-9B8A-6529393A6330}" type="slidenum">
               <a:rPr lang="zh-CN" altLang="en-US" smtClean="0"/>
-              <a:t>7</a:t>
+              <a:t>6</a:t>
             </a:fld>
             <a:endParaRPr lang="zh-CN" altLang="en-US"/>
           </a:p>
@@ -3018,7 +2740,7 @@
 </p:notes>
 </file>
 
-<file path=ppt/notesSlides/notesSlide6.xml><?xml version="1.0" encoding="utf-8"?>
+<file path=ppt/notesSlides/notesSlide5.xml><?xml version="1.0" encoding="utf-8"?>
 <p:notes xmlns:a="http://schemas.openxmlformats.org/drawingml/2006/main" xmlns:r="http://schemas.openxmlformats.org/officeDocument/2006/relationships" xmlns:p="http://schemas.openxmlformats.org/presentationml/2006/main">
   <p:cSld>
     <p:spTree>
@@ -3096,7 +2818,7 @@
               <a:pPr>
                 <a:defRPr/>
               </a:pPr>
-              <a:t>9</a:t>
+              <a:t>8</a:t>
             </a:fld>
             <a:endParaRPr lang="en-US" altLang="zh-CN" smtClean="0"/>
           </a:p>
@@ -3110,7 +2832,7 @@
 </p:notes>
 </file>
 
-<file path=ppt/notesSlides/notesSlide7.xml><?xml version="1.0" encoding="utf-8"?>
+<file path=ppt/notesSlides/notesSlide6.xml><?xml version="1.0" encoding="utf-8"?>
 <p:notes xmlns:a="http://schemas.openxmlformats.org/drawingml/2006/main" xmlns:r="http://schemas.openxmlformats.org/officeDocument/2006/relationships" xmlns:p="http://schemas.openxmlformats.org/presentationml/2006/main">
   <p:cSld>
     <p:spTree>
@@ -3230,7 +2952,7 @@
 </p:notes>
 </file>
 
-<file path=ppt/notesSlides/notesSlide8.xml><?xml version="1.0" encoding="utf-8"?>
+<file path=ppt/notesSlides/notesSlide7.xml><?xml version="1.0" encoding="utf-8"?>
 <p:notes xmlns:a="http://schemas.openxmlformats.org/drawingml/2006/main" xmlns:r="http://schemas.openxmlformats.org/officeDocument/2006/relationships" xmlns:p="http://schemas.openxmlformats.org/presentationml/2006/main">
   <p:cSld>
     <p:spTree>
@@ -3806,7 +3528,7 @@
               <a:pPr>
                 <a:defRPr/>
               </a:pPr>
-              <a:t>11</a:t>
+              <a:t>10</a:t>
             </a:fld>
             <a:endParaRPr lang="en-US" altLang="zh-CN" smtClean="0"/>
           </a:p>
@@ -3820,7 +3542,7 @@
 </p:notes>
 </file>
 
-<file path=ppt/notesSlides/notesSlide9.xml><?xml version="1.0" encoding="utf-8"?>
+<file path=ppt/notesSlides/notesSlide8.xml><?xml version="1.0" encoding="utf-8"?>
 <p:notes xmlns:a="http://schemas.openxmlformats.org/drawingml/2006/main" xmlns:r="http://schemas.openxmlformats.org/officeDocument/2006/relationships" xmlns:p="http://schemas.openxmlformats.org/presentationml/2006/main">
   <p:cSld>
     <p:spTree>
@@ -3920,6 +3642,192 @@
               </a:rPr>
               <a:t>中介绍的名词含义理解就可以了</a:t>
             </a:r>
+          </a:p>
+        </p:txBody>
+      </p:sp>
+    </p:spTree>
+  </p:cSld>
+  <p:clrMapOvr>
+    <a:masterClrMapping/>
+  </p:clrMapOvr>
+</p:notes>
+</file>
+
+<file path=ppt/notesSlides/notesSlide9.xml><?xml version="1.0" encoding="utf-8"?>
+<p:notes xmlns:a="http://schemas.openxmlformats.org/drawingml/2006/main" xmlns:r="http://schemas.openxmlformats.org/officeDocument/2006/relationships" xmlns:p="http://schemas.openxmlformats.org/presentationml/2006/main">
+  <p:cSld>
+    <p:spTree>
+      <p:nvGrpSpPr>
+        <p:cNvPr id="1" name=""/>
+        <p:cNvGrpSpPr/>
+        <p:nvPr/>
+      </p:nvGrpSpPr>
+      <p:grpSpPr>
+        <a:xfrm>
+          <a:off x="0" y="0"/>
+          <a:ext cx="0" cy="0"/>
+          <a:chOff x="0" y="0"/>
+          <a:chExt cx="0" cy="0"/>
+        </a:xfrm>
+      </p:grpSpPr>
+      <p:sp>
+        <p:nvSpPr>
+          <p:cNvPr id="48130" name="幻灯片图像占位符 1"/>
+          <p:cNvSpPr>
+            <a:spLocks noGrp="1" noRot="1" noChangeAspect="1" noTextEdit="1"/>
+          </p:cNvSpPr>
+          <p:nvPr>
+            <p:ph type="sldImg"/>
+          </p:nvPr>
+        </p:nvSpPr>
+        <p:spPr>
+          <a:ln/>
+        </p:spPr>
+      </p:sp>
+      <p:sp>
+        <p:nvSpPr>
+          <p:cNvPr id="3" name="备注占位符 2"/>
+          <p:cNvSpPr>
+            <a:spLocks noGrp="1"/>
+          </p:cNvSpPr>
+          <p:nvPr>
+            <p:ph type="body" idx="1"/>
+          </p:nvPr>
+        </p:nvSpPr>
+        <p:spPr/>
+        <p:txBody>
+          <a:bodyPr>
+            <a:normAutofit/>
+          </a:bodyPr>
+          <a:lstStyle/>
+          <a:p>
+            <a:pPr eaLnBrk="1" hangingPunct="1"/>
+            <a:r>
+              <a:rPr lang="zh-CN" altLang="en-US" dirty="0" smtClean="0"/>
+              <a:t>华为的印度研究所过了</a:t>
+            </a:r>
+            <a:r>
+              <a:rPr lang="en-US" altLang="zh-CN" dirty="0" smtClean="0"/>
+              <a:t>CMM5</a:t>
+            </a:r>
+            <a:r>
+              <a:rPr lang="zh-CN" altLang="en-US" dirty="0" smtClean="0"/>
+              <a:t>级，北京研究所</a:t>
+            </a:r>
+            <a:r>
+              <a:rPr lang="en-US" altLang="zh-CN" dirty="0" smtClean="0"/>
+              <a:t>CMM4</a:t>
+            </a:r>
+            <a:r>
+              <a:rPr lang="zh-CN" altLang="en-US" dirty="0" smtClean="0"/>
+              <a:t>，东软过了</a:t>
+            </a:r>
+            <a:r>
+              <a:rPr lang="en-US" altLang="zh-CN" dirty="0" smtClean="0"/>
+              <a:t>CMM5</a:t>
+            </a:r>
+            <a:r>
+              <a:rPr lang="zh-CN" altLang="en-US" dirty="0" smtClean="0"/>
+              <a:t>级</a:t>
+            </a:r>
+            <a:endParaRPr lang="en-US" altLang="zh-CN" dirty="0" smtClean="0"/>
+          </a:p>
+          <a:p>
+            <a:pPr eaLnBrk="1" hangingPunct="1"/>
+            <a:endParaRPr lang="en-US" altLang="zh-CN" dirty="0" smtClean="0"/>
+          </a:p>
+          <a:p>
+            <a:pPr eaLnBrk="1" hangingPunct="1"/>
+            <a:r>
+              <a:rPr lang="en-US" altLang="zh-CN" dirty="0" smtClean="0"/>
+              <a:t>1987</a:t>
+            </a:r>
+            <a:r>
+              <a:rPr lang="zh-CN" altLang="en-US" dirty="0" smtClean="0"/>
+              <a:t>年，美国卡内基</a:t>
+            </a:r>
+            <a:r>
+              <a:rPr lang="en-US" altLang="zh-CN" dirty="0" smtClean="0"/>
+              <a:t>. </a:t>
+            </a:r>
+            <a:r>
+              <a:rPr lang="zh-CN" altLang="en-US" dirty="0" smtClean="0"/>
+              <a:t>梅隆大学</a:t>
+            </a:r>
+            <a:r>
+              <a:rPr lang="zh-CN" altLang="en-US" dirty="0" smtClean="0">
+                <a:hlinkClick r:id="rId3" action="ppaction://hlinkfile"/>
+              </a:rPr>
+              <a:t>软件研究所</a:t>
+            </a:r>
+            <a:r>
+              <a:rPr lang="zh-CN" altLang="en-US" dirty="0" smtClean="0"/>
+              <a:t>（</a:t>
+            </a:r>
+            <a:r>
+              <a:rPr lang="en-US" altLang="zh-CN" dirty="0" smtClean="0"/>
+              <a:t>SEI</a:t>
+            </a:r>
+            <a:r>
+              <a:rPr lang="zh-CN" altLang="en-US" dirty="0" smtClean="0"/>
+              <a:t>）受美国国防部的委托，率先在软件行业从软件过程能力的角度提出了</a:t>
+            </a:r>
+            <a:r>
+              <a:rPr lang="zh-CN" altLang="en-US" dirty="0" smtClean="0">
+                <a:hlinkClick r:id="rId4" action="ppaction://hlinkfile"/>
+              </a:rPr>
+              <a:t>软件过程成熟度</a:t>
+            </a:r>
+            <a:r>
+              <a:rPr lang="zh-CN" altLang="en-US" dirty="0" smtClean="0"/>
+              <a:t>模型（</a:t>
+            </a:r>
+            <a:r>
+              <a:rPr lang="en-US" altLang="zh-CN" dirty="0" smtClean="0"/>
+              <a:t>CMM</a:t>
+            </a:r>
+            <a:r>
+              <a:rPr lang="zh-CN" altLang="en-US" dirty="0" smtClean="0"/>
+              <a:t>），随后在全世界推广实施的一种软件评估标准，用于评价软件承包能力并帮助其改善软件质量的方法。</a:t>
+            </a:r>
+            <a:endParaRPr lang="en-US" altLang="zh-CN" dirty="0" smtClean="0"/>
+          </a:p>
+          <a:p>
+            <a:pPr eaLnBrk="1" hangingPunct="1"/>
+            <a:endParaRPr lang="en-US" altLang="zh-CN" dirty="0" smtClean="0"/>
+          </a:p>
+          <a:p>
+            <a:pPr eaLnBrk="1" hangingPunct="1"/>
+            <a:endParaRPr lang="en-US" altLang="zh-CN" dirty="0" smtClean="0"/>
+          </a:p>
+        </p:txBody>
+      </p:sp>
+      <p:sp>
+        <p:nvSpPr>
+          <p:cNvPr id="31747" name="灯片编号占位符 3"/>
+          <p:cNvSpPr>
+            <a:spLocks noGrp="1"/>
+          </p:cNvSpPr>
+          <p:nvPr>
+            <p:ph type="sldNum" sz="quarter" idx="5"/>
+          </p:nvPr>
+        </p:nvSpPr>
+        <p:spPr/>
+        <p:txBody>
+          <a:bodyPr/>
+          <a:lstStyle/>
+          <a:p>
+            <a:pPr>
+              <a:defRPr/>
+            </a:pPr>
+            <a:fld id="{00348517-B9F8-47E5-98BF-2BCC68DD40A2}" type="slidenum">
+              <a:rPr lang="zh-CN" altLang="en-US" smtClean="0"/>
+              <a:pPr>
+                <a:defRPr/>
+              </a:pPr>
+              <a:t>12</a:t>
+            </a:fld>
+            <a:endParaRPr lang="en-US" altLang="zh-CN" smtClean="0"/>
           </a:p>
         </p:txBody>
       </p:sp>
@@ -8144,671 +8052,6 @@
 </file>
 
 <file path=ppt/slides/slide10.xml><?xml version="1.0" encoding="utf-8"?>
-<p:sld xmlns:a="http://schemas.openxmlformats.org/drawingml/2006/main" xmlns:r="http://schemas.openxmlformats.org/officeDocument/2006/relationships" xmlns:p="http://schemas.openxmlformats.org/presentationml/2006/main">
-  <p:cSld>
-    <p:spTree>
-      <p:nvGrpSpPr>
-        <p:cNvPr id="1" name=""/>
-        <p:cNvGrpSpPr/>
-        <p:nvPr/>
-      </p:nvGrpSpPr>
-      <p:grpSpPr>
-        <a:xfrm>
-          <a:off x="0" y="0"/>
-          <a:ext cx="0" cy="0"/>
-          <a:chOff x="0" y="0"/>
-          <a:chExt cx="0" cy="0"/>
-        </a:xfrm>
-      </p:grpSpPr>
-      <p:sp>
-        <p:nvSpPr>
-          <p:cNvPr id="18434" name="Rectangle 2"/>
-          <p:cNvSpPr>
-            <a:spLocks noGrp="1" noChangeArrowheads="1"/>
-          </p:cNvSpPr>
-          <p:nvPr>
-            <p:ph type="title"/>
-          </p:nvPr>
-        </p:nvSpPr>
-        <p:spPr/>
-        <p:txBody>
-          <a:bodyPr/>
-          <a:lstStyle/>
-          <a:p>
-            <a:r>
-              <a:rPr lang="en-US" altLang="zh-CN" b="1" dirty="0">
-                <a:latin typeface="黑体" pitchFamily="49" charset="-122"/>
-                <a:ea typeface="黑体" pitchFamily="49" charset="-122"/>
-              </a:rPr>
-              <a:t>McCall</a:t>
-            </a:r>
-            <a:r>
-              <a:rPr lang="zh-CN" altLang="en-US" b="1" dirty="0">
-                <a:latin typeface="黑体" pitchFamily="49" charset="-122"/>
-                <a:ea typeface="黑体" pitchFamily="49" charset="-122"/>
-              </a:rPr>
-              <a:t>模型</a:t>
-            </a:r>
-            <a:endParaRPr lang="en-US" altLang="zh-CN" b="1" dirty="0">
-              <a:latin typeface="黑体" pitchFamily="49" charset="-122"/>
-              <a:ea typeface="黑体" pitchFamily="49" charset="-122"/>
-            </a:endParaRPr>
-          </a:p>
-        </p:txBody>
-      </p:sp>
-      <p:grpSp>
-        <p:nvGrpSpPr>
-          <p:cNvPr id="18435" name="组合 73"/>
-          <p:cNvGrpSpPr>
-            <a:grpSpLocks/>
-          </p:cNvGrpSpPr>
-          <p:nvPr/>
-        </p:nvGrpSpPr>
-        <p:grpSpPr bwMode="auto">
-          <a:xfrm>
-            <a:off x="1136651" y="1052736"/>
-            <a:ext cx="6875234" cy="4384673"/>
-            <a:chOff x="1940169" y="1792012"/>
-            <a:chExt cx="4481066" cy="2680339"/>
-          </a:xfrm>
-        </p:grpSpPr>
-        <p:sp>
-          <p:nvSpPr>
-            <p:cNvPr id="71" name="直角三角形 70"/>
-            <p:cNvSpPr/>
-            <p:nvPr/>
-          </p:nvSpPr>
-          <p:spPr bwMode="auto">
-            <a:xfrm rot="16200000">
-              <a:off x="1729585" y="2011329"/>
-              <a:ext cx="2671606" cy="2250437"/>
-            </a:xfrm>
-            <a:prstGeom prst="rtTriangle">
-              <a:avLst/>
-            </a:prstGeom>
-            <a:ln>
-              <a:headEnd type="none" w="med" len="med"/>
-              <a:tailEnd type="none" w="med" len="med"/>
-            </a:ln>
-          </p:spPr>
-          <p:style>
-            <a:lnRef idx="1">
-              <a:schemeClr val="accent1"/>
-            </a:lnRef>
-            <a:fillRef idx="2">
-              <a:schemeClr val="accent1"/>
-            </a:fillRef>
-            <a:effectRef idx="1">
-              <a:schemeClr val="accent1"/>
-            </a:effectRef>
-            <a:fontRef idx="minor">
-              <a:schemeClr val="dk1"/>
-            </a:fontRef>
-          </p:style>
-          <p:txBody>
-            <a:bodyPr/>
-            <a:lstStyle/>
-            <a:p>
-              <a:pPr eaLnBrk="0" hangingPunct="0">
-                <a:defRPr/>
-              </a:pPr>
-              <a:endParaRPr lang="zh-CN" altLang="en-US" b="0">
-                <a:ea typeface="+mn-ea"/>
-              </a:endParaRPr>
-            </a:p>
-          </p:txBody>
-        </p:sp>
-        <p:sp>
-          <p:nvSpPr>
-            <p:cNvPr id="72" name="直角三角形 71"/>
-            <p:cNvSpPr/>
-            <p:nvPr/>
-          </p:nvSpPr>
-          <p:spPr bwMode="auto">
-            <a:xfrm rot="16200000" flipV="1">
-              <a:off x="3957258" y="2002596"/>
-              <a:ext cx="2671606" cy="2250437"/>
-            </a:xfrm>
-            <a:prstGeom prst="rtTriangle">
-              <a:avLst/>
-            </a:prstGeom>
-            <a:ln>
-              <a:headEnd type="none" w="med" len="med"/>
-              <a:tailEnd type="none" w="med" len="med"/>
-            </a:ln>
-          </p:spPr>
-          <p:style>
-            <a:lnRef idx="1">
-              <a:schemeClr val="accent1"/>
-            </a:lnRef>
-            <a:fillRef idx="2">
-              <a:schemeClr val="accent1"/>
-            </a:fillRef>
-            <a:effectRef idx="1">
-              <a:schemeClr val="accent1"/>
-            </a:effectRef>
-            <a:fontRef idx="minor">
-              <a:schemeClr val="dk1"/>
-            </a:fontRef>
-          </p:style>
-          <p:txBody>
-            <a:bodyPr/>
-            <a:lstStyle/>
-            <a:p>
-              <a:pPr eaLnBrk="0" hangingPunct="0">
-                <a:defRPr/>
-              </a:pPr>
-              <a:endParaRPr lang="zh-CN" altLang="en-US" b="0">
-                <a:ea typeface="+mn-ea"/>
-              </a:endParaRPr>
-            </a:p>
-          </p:txBody>
-        </p:sp>
-        <p:sp>
-          <p:nvSpPr>
-            <p:cNvPr id="73" name="等腰三角形 72"/>
-            <p:cNvSpPr/>
-            <p:nvPr/>
-          </p:nvSpPr>
-          <p:spPr bwMode="auto">
-            <a:xfrm>
-              <a:off x="1965592" y="3160602"/>
-              <a:ext cx="4455643" cy="1305928"/>
-            </a:xfrm>
-            <a:prstGeom prst="triangle">
-              <a:avLst>
-                <a:gd name="adj" fmla="val 49576"/>
-              </a:avLst>
-            </a:prstGeom>
-            <a:ln>
-              <a:headEnd type="none" w="med" len="med"/>
-              <a:tailEnd type="none" w="med" len="med"/>
-            </a:ln>
-          </p:spPr>
-          <p:style>
-            <a:lnRef idx="1">
-              <a:schemeClr val="accent1"/>
-            </a:lnRef>
-            <a:fillRef idx="2">
-              <a:schemeClr val="accent1"/>
-            </a:fillRef>
-            <a:effectRef idx="1">
-              <a:schemeClr val="accent1"/>
-            </a:effectRef>
-            <a:fontRef idx="minor">
-              <a:schemeClr val="dk1"/>
-            </a:fontRef>
-          </p:style>
-          <p:txBody>
-            <a:bodyPr/>
-            <a:lstStyle/>
-            <a:p>
-              <a:pPr eaLnBrk="0" hangingPunct="0">
-                <a:defRPr/>
-              </a:pPr>
-              <a:endParaRPr lang="zh-CN" altLang="en-US" b="0">
-                <a:ea typeface="+mn-ea"/>
-              </a:endParaRPr>
-            </a:p>
-          </p:txBody>
-        </p:sp>
-      </p:grpSp>
-      <p:sp>
-        <p:nvSpPr>
-          <p:cNvPr id="18436" name="TextBox 74"/>
-          <p:cNvSpPr txBox="1">
-            <a:spLocks noChangeArrowheads="1"/>
-          </p:cNvSpPr>
-          <p:nvPr/>
-        </p:nvSpPr>
-        <p:spPr bwMode="auto">
-          <a:xfrm>
-            <a:off x="3317208" y="3105603"/>
-            <a:ext cx="862905" cy="677108"/>
-          </a:xfrm>
-          <a:prstGeom prst="rect">
-            <a:avLst/>
-          </a:prstGeom>
-          <a:noFill/>
-          <a:ln w="9525">
-            <a:noFill/>
-            <a:miter lim="800000"/>
-            <a:headEnd/>
-            <a:tailEnd/>
-          </a:ln>
-        </p:spPr>
-        <p:txBody>
-          <a:bodyPr wrap="square">
-            <a:spAutoFit/>
-          </a:bodyPr>
-          <a:lstStyle/>
-          <a:p>
-            <a:pPr eaLnBrk="0" hangingPunct="0"/>
-            <a:r>
-              <a:rPr lang="zh-CN" altLang="en-US" dirty="0">
-                <a:solidFill>
-                  <a:srgbClr val="002060"/>
-                </a:solidFill>
-              </a:rPr>
-              <a:t>产品修订</a:t>
-            </a:r>
-          </a:p>
-        </p:txBody>
-      </p:sp>
-      <p:sp>
-        <p:nvSpPr>
-          <p:cNvPr id="18437" name="TextBox 75"/>
-          <p:cNvSpPr txBox="1">
-            <a:spLocks noChangeArrowheads="1"/>
-          </p:cNvSpPr>
-          <p:nvPr/>
-        </p:nvSpPr>
-        <p:spPr bwMode="auto">
-          <a:xfrm>
-            <a:off x="4967514" y="3069935"/>
-            <a:ext cx="685800" cy="677863"/>
-          </a:xfrm>
-          <a:prstGeom prst="rect">
-            <a:avLst/>
-          </a:prstGeom>
-          <a:noFill/>
-          <a:ln w="9525">
-            <a:noFill/>
-            <a:miter lim="800000"/>
-            <a:headEnd/>
-            <a:tailEnd/>
-          </a:ln>
-        </p:spPr>
-        <p:txBody>
-          <a:bodyPr>
-            <a:spAutoFit/>
-          </a:bodyPr>
-          <a:lstStyle/>
-          <a:p>
-            <a:pPr eaLnBrk="0" hangingPunct="0"/>
-            <a:r>
-              <a:rPr lang="zh-CN" altLang="en-US" dirty="0">
-                <a:solidFill>
-                  <a:srgbClr val="002060"/>
-                </a:solidFill>
-              </a:rPr>
-              <a:t>产品变迁</a:t>
-            </a:r>
-          </a:p>
-        </p:txBody>
-      </p:sp>
-      <p:sp>
-        <p:nvSpPr>
-          <p:cNvPr id="18438" name="TextBox 76"/>
-          <p:cNvSpPr txBox="1">
-            <a:spLocks noChangeArrowheads="1"/>
-          </p:cNvSpPr>
-          <p:nvPr/>
-        </p:nvSpPr>
-        <p:spPr bwMode="auto">
-          <a:xfrm>
-            <a:off x="3807368" y="4756603"/>
-            <a:ext cx="1882231" cy="400110"/>
-          </a:xfrm>
-          <a:prstGeom prst="rect">
-            <a:avLst/>
-          </a:prstGeom>
-          <a:noFill/>
-          <a:ln w="9525">
-            <a:noFill/>
-            <a:miter lim="800000"/>
-            <a:headEnd/>
-            <a:tailEnd/>
-          </a:ln>
-        </p:spPr>
-        <p:txBody>
-          <a:bodyPr wrap="square">
-            <a:spAutoFit/>
-          </a:bodyPr>
-          <a:lstStyle/>
-          <a:p>
-            <a:pPr eaLnBrk="0" hangingPunct="0"/>
-            <a:r>
-              <a:rPr lang="zh-CN" altLang="en-US" sz="2000" dirty="0">
-                <a:solidFill>
-                  <a:srgbClr val="002060"/>
-                </a:solidFill>
-              </a:rPr>
-              <a:t>产品运行</a:t>
-            </a:r>
-          </a:p>
-        </p:txBody>
-      </p:sp>
-      <p:sp>
-        <p:nvSpPr>
-          <p:cNvPr id="18439" name="TextBox 77"/>
-          <p:cNvSpPr txBox="1">
-            <a:spLocks noChangeArrowheads="1"/>
-          </p:cNvSpPr>
-          <p:nvPr/>
-        </p:nvSpPr>
-        <p:spPr bwMode="auto">
-          <a:xfrm>
-            <a:off x="1765935" y="2137728"/>
-            <a:ext cx="1589088" cy="1292662"/>
-          </a:xfrm>
-          <a:prstGeom prst="rect">
-            <a:avLst/>
-          </a:prstGeom>
-          <a:noFill/>
-          <a:ln w="9525">
-            <a:noFill/>
-            <a:miter lim="800000"/>
-            <a:headEnd/>
-            <a:tailEnd/>
-          </a:ln>
-        </p:spPr>
-        <p:txBody>
-          <a:bodyPr>
-            <a:spAutoFit/>
-          </a:bodyPr>
-          <a:lstStyle/>
-          <a:p>
-            <a:pPr eaLnBrk="0" hangingPunct="0"/>
-            <a:r>
-              <a:rPr lang="zh-CN" altLang="en-US" sz="2000" dirty="0">
-                <a:latin typeface="微软雅黑" pitchFamily="34" charset="-122"/>
-                <a:ea typeface="微软雅黑" pitchFamily="34" charset="-122"/>
-              </a:rPr>
-              <a:t>可维护性</a:t>
-            </a:r>
-            <a:endParaRPr lang="en-US" altLang="zh-CN" sz="2000" dirty="0">
-              <a:latin typeface="微软雅黑" pitchFamily="34" charset="-122"/>
-              <a:ea typeface="微软雅黑" pitchFamily="34" charset="-122"/>
-            </a:endParaRPr>
-          </a:p>
-          <a:p>
-            <a:pPr eaLnBrk="0" hangingPunct="0"/>
-            <a:r>
-              <a:rPr lang="zh-CN" altLang="en-US" sz="2000" dirty="0">
-                <a:latin typeface="微软雅黑" pitchFamily="34" charset="-122"/>
-                <a:ea typeface="微软雅黑" pitchFamily="34" charset="-122"/>
-              </a:rPr>
-              <a:t>可测试性</a:t>
-            </a:r>
-            <a:endParaRPr lang="en-US" altLang="zh-CN" sz="2000" dirty="0">
-              <a:latin typeface="微软雅黑" pitchFamily="34" charset="-122"/>
-              <a:ea typeface="微软雅黑" pitchFamily="34" charset="-122"/>
-            </a:endParaRPr>
-          </a:p>
-          <a:p>
-            <a:pPr eaLnBrk="0" hangingPunct="0"/>
-            <a:r>
-              <a:rPr lang="zh-CN" altLang="en-US" sz="2000" dirty="0">
-                <a:latin typeface="微软雅黑" pitchFamily="34" charset="-122"/>
-                <a:ea typeface="微软雅黑" pitchFamily="34" charset="-122"/>
-              </a:rPr>
-              <a:t>灵活性</a:t>
-            </a:r>
-            <a:endParaRPr lang="en-US" altLang="zh-CN" sz="2000" dirty="0">
-              <a:latin typeface="微软雅黑" pitchFamily="34" charset="-122"/>
-              <a:ea typeface="微软雅黑" pitchFamily="34" charset="-122"/>
-            </a:endParaRPr>
-          </a:p>
-          <a:p>
-            <a:pPr eaLnBrk="0" hangingPunct="0"/>
-            <a:endParaRPr lang="zh-CN" altLang="en-US" b="0" dirty="0">
-              <a:solidFill>
-                <a:srgbClr val="002060"/>
-              </a:solidFill>
-            </a:endParaRPr>
-          </a:p>
-        </p:txBody>
-      </p:sp>
-      <p:sp>
-        <p:nvSpPr>
-          <p:cNvPr id="18440" name="TextBox 78"/>
-          <p:cNvSpPr txBox="1">
-            <a:spLocks noChangeArrowheads="1"/>
-          </p:cNvSpPr>
-          <p:nvPr/>
-        </p:nvSpPr>
-        <p:spPr bwMode="auto">
-          <a:xfrm>
-            <a:off x="6480684" y="2168525"/>
-            <a:ext cx="1589088" cy="1015663"/>
-          </a:xfrm>
-          <a:prstGeom prst="rect">
-            <a:avLst/>
-          </a:prstGeom>
-          <a:noFill/>
-          <a:ln w="9525">
-            <a:noFill/>
-            <a:miter lim="800000"/>
-            <a:headEnd/>
-            <a:tailEnd/>
-          </a:ln>
-        </p:spPr>
-        <p:txBody>
-          <a:bodyPr>
-            <a:spAutoFit/>
-          </a:bodyPr>
-          <a:lstStyle/>
-          <a:p>
-            <a:pPr eaLnBrk="0" hangingPunct="0"/>
-            <a:r>
-              <a:rPr lang="zh-CN" altLang="en-US" sz="2000" dirty="0">
-                <a:latin typeface="微软雅黑" pitchFamily="34" charset="-122"/>
-                <a:ea typeface="微软雅黑" pitchFamily="34" charset="-122"/>
-              </a:rPr>
-              <a:t>可移植性</a:t>
-            </a:r>
-            <a:endParaRPr lang="en-US" altLang="zh-CN" sz="2000" dirty="0">
-              <a:latin typeface="微软雅黑" pitchFamily="34" charset="-122"/>
-              <a:ea typeface="微软雅黑" pitchFamily="34" charset="-122"/>
-            </a:endParaRPr>
-          </a:p>
-          <a:p>
-            <a:pPr eaLnBrk="0" hangingPunct="0"/>
-            <a:r>
-              <a:rPr lang="zh-CN" altLang="en-US" sz="2000" dirty="0">
-                <a:latin typeface="微软雅黑" pitchFamily="34" charset="-122"/>
-                <a:ea typeface="微软雅黑" pitchFamily="34" charset="-122"/>
-              </a:rPr>
-              <a:t>可复用性</a:t>
-            </a:r>
-            <a:endParaRPr lang="en-US" altLang="zh-CN" sz="2000" dirty="0">
-              <a:latin typeface="微软雅黑" pitchFamily="34" charset="-122"/>
-              <a:ea typeface="微软雅黑" pitchFamily="34" charset="-122"/>
-            </a:endParaRPr>
-          </a:p>
-          <a:p>
-            <a:pPr eaLnBrk="0" hangingPunct="0"/>
-            <a:r>
-              <a:rPr lang="zh-CN" altLang="en-US" sz="2000" dirty="0">
-                <a:latin typeface="微软雅黑" pitchFamily="34" charset="-122"/>
-                <a:ea typeface="微软雅黑" pitchFamily="34" charset="-122"/>
-              </a:rPr>
-              <a:t>互联性</a:t>
-            </a:r>
-          </a:p>
-        </p:txBody>
-      </p:sp>
-      <p:sp>
-        <p:nvSpPr>
-          <p:cNvPr id="18441" name="TextBox 79"/>
-          <p:cNvSpPr txBox="1">
-            <a:spLocks noChangeArrowheads="1"/>
-          </p:cNvSpPr>
-          <p:nvPr/>
-        </p:nvSpPr>
-        <p:spPr bwMode="auto">
-          <a:xfrm>
-            <a:off x="2216785" y="5661248"/>
-            <a:ext cx="4356100" cy="400110"/>
-          </a:xfrm>
-          <a:prstGeom prst="rect">
-            <a:avLst/>
-          </a:prstGeom>
-          <a:noFill/>
-          <a:ln w="9525">
-            <a:noFill/>
-            <a:miter lim="800000"/>
-            <a:headEnd/>
-            <a:tailEnd/>
-          </a:ln>
-        </p:spPr>
-        <p:txBody>
-          <a:bodyPr>
-            <a:spAutoFit/>
-          </a:bodyPr>
-          <a:lstStyle/>
-          <a:p>
-            <a:pPr eaLnBrk="0" hangingPunct="0"/>
-            <a:r>
-              <a:rPr lang="zh-CN" altLang="en-US" sz="2000" dirty="0">
-                <a:latin typeface="微软雅黑" pitchFamily="34" charset="-122"/>
-                <a:ea typeface="微软雅黑" pitchFamily="34" charset="-122"/>
-              </a:rPr>
-              <a:t>正确性</a:t>
-            </a:r>
-            <a:r>
-              <a:rPr lang="en-US" altLang="zh-CN" sz="2000" dirty="0">
-                <a:latin typeface="微软雅黑" pitchFamily="34" charset="-122"/>
-                <a:ea typeface="微软雅黑" pitchFamily="34" charset="-122"/>
-              </a:rPr>
-              <a:t>	</a:t>
-            </a:r>
-            <a:r>
-              <a:rPr lang="zh-CN" altLang="en-US" sz="2000" dirty="0">
-                <a:latin typeface="微软雅黑" pitchFamily="34" charset="-122"/>
-                <a:ea typeface="微软雅黑" pitchFamily="34" charset="-122"/>
-              </a:rPr>
-              <a:t>可靠性</a:t>
-            </a:r>
-            <a:r>
-              <a:rPr lang="en-US" altLang="zh-CN" sz="2000" dirty="0">
-                <a:latin typeface="微软雅黑" pitchFamily="34" charset="-122"/>
-                <a:ea typeface="微软雅黑" pitchFamily="34" charset="-122"/>
-              </a:rPr>
-              <a:t>	</a:t>
-            </a:r>
-            <a:r>
-              <a:rPr lang="zh-CN" altLang="en-US" sz="2000" dirty="0">
-                <a:latin typeface="微软雅黑" pitchFamily="34" charset="-122"/>
-                <a:ea typeface="微软雅黑" pitchFamily="34" charset="-122"/>
-              </a:rPr>
-              <a:t>可用性</a:t>
-            </a:r>
-            <a:r>
-              <a:rPr lang="en-US" altLang="zh-CN" sz="2000" dirty="0">
-                <a:latin typeface="微软雅黑" pitchFamily="34" charset="-122"/>
-                <a:ea typeface="微软雅黑" pitchFamily="34" charset="-122"/>
-              </a:rPr>
-              <a:t>	</a:t>
-            </a:r>
-            <a:r>
-              <a:rPr lang="zh-CN" altLang="en-US" sz="2000" dirty="0">
-                <a:latin typeface="微软雅黑" pitchFamily="34" charset="-122"/>
-                <a:ea typeface="微软雅黑" pitchFamily="34" charset="-122"/>
-              </a:rPr>
-              <a:t>完整性</a:t>
-            </a:r>
-            <a:r>
-              <a:rPr lang="en-US" altLang="zh-CN" sz="2000" dirty="0">
-                <a:latin typeface="微软雅黑" pitchFamily="34" charset="-122"/>
-                <a:ea typeface="微软雅黑" pitchFamily="34" charset="-122"/>
-              </a:rPr>
-              <a:t>	</a:t>
-            </a:r>
-            <a:r>
-              <a:rPr lang="zh-CN" altLang="en-US" sz="2000" dirty="0">
-                <a:latin typeface="微软雅黑" pitchFamily="34" charset="-122"/>
-                <a:ea typeface="微软雅黑" pitchFamily="34" charset="-122"/>
-              </a:rPr>
-              <a:t>效率</a:t>
-            </a:r>
-          </a:p>
-        </p:txBody>
-      </p:sp>
-      <p:sp>
-        <p:nvSpPr>
-          <p:cNvPr id="13" name="矩形 12"/>
-          <p:cNvSpPr/>
-          <p:nvPr/>
-        </p:nvSpPr>
-        <p:spPr>
-          <a:xfrm>
-            <a:off x="395536" y="1587468"/>
-            <a:ext cx="2085827" cy="581057"/>
-          </a:xfrm>
-          <a:prstGeom prst="rect">
-            <a:avLst/>
-          </a:prstGeom>
-        </p:spPr>
-        <p:txBody>
-          <a:bodyPr wrap="none">
-            <a:spAutoFit/>
-          </a:bodyPr>
-          <a:lstStyle/>
-          <a:p>
-            <a:pPr defTabSz="0" fontAlgn="base">
-              <a:lnSpc>
-                <a:spcPct val="150000"/>
-              </a:lnSpc>
-              <a:spcBef>
-                <a:spcPct val="0"/>
-              </a:spcBef>
-              <a:spcAft>
-                <a:spcPct val="15000"/>
-              </a:spcAft>
-              <a:buClr>
-                <a:schemeClr val="tx2"/>
-              </a:buClr>
-              <a:defRPr/>
-            </a:pPr>
-            <a:r>
-              <a:rPr lang="en-US" altLang="zh-CN" sz="2400" dirty="0">
-                <a:solidFill>
-                  <a:srgbClr val="FF0000"/>
-                </a:solidFill>
-                <a:latin typeface="微软雅黑" pitchFamily="34" charset="-122"/>
-                <a:ea typeface="微软雅黑" pitchFamily="34" charset="-122"/>
-              </a:rPr>
-              <a:t>11</a:t>
-            </a:r>
-            <a:r>
-              <a:rPr lang="zh-CN" altLang="en-US" sz="2400" dirty="0">
-                <a:solidFill>
-                  <a:srgbClr val="FF0000"/>
-                </a:solidFill>
-                <a:latin typeface="微软雅黑" pitchFamily="34" charset="-122"/>
-                <a:ea typeface="微软雅黑" pitchFamily="34" charset="-122"/>
-              </a:rPr>
-              <a:t>个质量特性</a:t>
-            </a:r>
-          </a:p>
-        </p:txBody>
-      </p:sp>
-    </p:spTree>
-    <p:extLst>
-      <p:ext uri="{BB962C8B-B14F-4D97-AF65-F5344CB8AC3E}">
-        <p14:creationId xmlns:p14="http://schemas.microsoft.com/office/powerpoint/2010/main" val="3664610323"/>
-      </p:ext>
-    </p:extLst>
-  </p:cSld>
-  <p:clrMapOvr>
-    <a:masterClrMapping/>
-  </p:clrMapOvr>
-  <p:transition>
-    <p:randomBar dir="vert"/>
-  </p:transition>
-  <p:timing>
-    <p:tnLst>
-      <p:par>
-        <p:cTn id="1" dur="indefinite" restart="never" nodeType="tmRoot"/>
-      </p:par>
-    </p:tnLst>
-  </p:timing>
-</p:sld>
-</file>
-
-<file path=ppt/slides/slide11.xml><?xml version="1.0" encoding="utf-8"?>
 <p:sld xmlns:a="http://schemas.openxmlformats.org/drawingml/2006/main" xmlns:r="http://schemas.openxmlformats.org/officeDocument/2006/relationships" xmlns:p="http://schemas.openxmlformats.org/presentationml/2006/main">
   <p:cSld>
     <p:spTree>
@@ -9976,7 +9219,7 @@
 </p:sld>
 </file>
 
-<file path=ppt/slides/slide12.xml><?xml version="1.0" encoding="utf-8"?>
+<file path=ppt/slides/slide11.xml><?xml version="1.0" encoding="utf-8"?>
 <p:sld xmlns:a="http://schemas.openxmlformats.org/drawingml/2006/main" xmlns:r="http://schemas.openxmlformats.org/officeDocument/2006/relationships" xmlns:p="http://schemas.openxmlformats.org/presentationml/2006/main">
   <p:cSld>
     <p:spTree>
@@ -13068,7 +12311,7 @@
 </p:sld>
 </file>
 
-<file path=ppt/slides/slide13.xml><?xml version="1.0" encoding="utf-8"?>
+<file path=ppt/slides/slide12.xml><?xml version="1.0" encoding="utf-8"?>
 <p:sld xmlns:a="http://schemas.openxmlformats.org/drawingml/2006/main" xmlns:r="http://schemas.openxmlformats.org/officeDocument/2006/relationships" xmlns:p="http://schemas.openxmlformats.org/presentationml/2006/main">
   <p:cSld>
     <p:spTree>
@@ -13141,11 +12384,7 @@
             </a:r>
             <a:r>
               <a:rPr lang="en-US" altLang="en-US" sz="3400" b="1" dirty="0"/>
-              <a:t> </a:t>
-            </a:r>
-            <a:r>
-              <a:rPr lang="en-US" altLang="en-US" sz="3400" b="1" dirty="0"/>
-              <a:t>(Capability Maturity Model)</a:t>
+              <a:t> (Capability Maturity Model)</a:t>
             </a:r>
             <a:r>
               <a:rPr lang="zh-CN" altLang="en-US" sz="3400" b="1" dirty="0"/>
@@ -14204,7 +13443,7 @@
 </p:sld>
 </file>
 
-<file path=ppt/slides/slide14.xml><?xml version="1.0" encoding="utf-8"?>
+<file path=ppt/slides/slide13.xml><?xml version="1.0" encoding="utf-8"?>
 <p:sld xmlns:a="http://schemas.openxmlformats.org/drawingml/2006/main" xmlns:r="http://schemas.openxmlformats.org/officeDocument/2006/relationships" xmlns:p="http://schemas.openxmlformats.org/presentationml/2006/main">
   <p:cSld>
     <p:spTree>
@@ -15333,7 +14572,7 @@
 </p:sld>
 </file>
 
-<file path=ppt/slides/slide15.xml><?xml version="1.0" encoding="utf-8"?>
+<file path=ppt/slides/slide14.xml><?xml version="1.0" encoding="utf-8"?>
 <p:sld xmlns:a="http://schemas.openxmlformats.org/drawingml/2006/main" xmlns:r="http://schemas.openxmlformats.org/officeDocument/2006/relationships" xmlns:p="http://schemas.openxmlformats.org/presentationml/2006/main">
   <p:cSld>
     <p:spTree>
@@ -15438,7 +14677,7 @@
 </p:sld>
 </file>
 
-<file path=ppt/slides/slide16.xml><?xml version="1.0" encoding="utf-8"?>
+<file path=ppt/slides/slide15.xml><?xml version="1.0" encoding="utf-8"?>
 <p:sld xmlns:a="http://schemas.openxmlformats.org/drawingml/2006/main" xmlns:r="http://schemas.openxmlformats.org/officeDocument/2006/relationships" xmlns:p="http://schemas.openxmlformats.org/presentationml/2006/main">
   <p:cSld>
     <p:spTree>
@@ -20366,15 +19605,7 @@
             </a:r>
             <a:r>
               <a:rPr lang="zh-CN" altLang="en-US" sz="3100" b="1" dirty="0"/>
-              <a:t>特点是</a:t>
-            </a:r>
-            <a:r>
-              <a:rPr lang="zh-CN" altLang="en-US" sz="3100" b="1" dirty="0"/>
-              <a:t>软件过程</a:t>
-            </a:r>
-            <a:r>
-              <a:rPr lang="zh-CN" altLang="en-US" sz="3100" b="1" dirty="0"/>
-              <a:t>无秩序，有时甚至是</a:t>
+              <a:t>特点是软件过程无秩序，有时甚至是</a:t>
             </a:r>
             <a:r>
               <a:rPr lang="zh-CN" altLang="en-US" sz="3100" b="1" dirty="0">
@@ -21584,7 +20815,7 @@
 </p:sld>
 </file>
 
-<file path=ppt/slides/slide17.xml><?xml version="1.0" encoding="utf-8"?>
+<file path=ppt/slides/slide16.xml><?xml version="1.0" encoding="utf-8"?>
 <p:sld xmlns:a="http://schemas.openxmlformats.org/drawingml/2006/main" xmlns:r="http://schemas.openxmlformats.org/officeDocument/2006/relationships" xmlns:p="http://schemas.openxmlformats.org/presentationml/2006/main">
   <p:cSld>
     <p:spTree>
@@ -21657,11 +20888,7 @@
             <a:pPr eaLnBrk="1" hangingPunct="1"/>
             <a:r>
               <a:rPr lang="zh-CN" altLang="en-US" sz="3100" b="1" dirty="0"/>
-              <a:t>第二级：可重复级</a:t>
-            </a:r>
-            <a:r>
-              <a:rPr lang="zh-CN" altLang="en-US" sz="3100" b="1" dirty="0"/>
-              <a:t> </a:t>
+              <a:t>第二级：可重复级 </a:t>
             </a:r>
             <a:br>
               <a:rPr lang="zh-CN" altLang="en-US" sz="3100" b="1" dirty="0"/>
@@ -21698,15 +20925,7 @@
             </a:r>
             <a:r>
               <a:rPr lang="zh-CN" altLang="en-US" sz="3100" b="1" dirty="0"/>
-              <a:t>已</a:t>
-            </a:r>
-            <a:r>
-              <a:rPr lang="zh-CN" altLang="en-US" sz="3100" b="1" dirty="0"/>
-              <a:t>建</a:t>
-            </a:r>
-            <a:r>
-              <a:rPr lang="zh-CN" altLang="en-US" sz="3100" b="1" dirty="0"/>
-              <a:t>立了基本的项目管理过程，可用于对成本，进度和功能特性进行跟踪。对类似的应用项目，有章可循，并能重复以往所取得的成功。</a:t>
+              <a:t>已建立了基本的项目管理过程，可用于对成本，进度和功能特性进行跟踪。对类似的应用项目，有章可循，并能重复以往所取得的成功。</a:t>
             </a:r>
           </a:p>
         </p:txBody>
@@ -22776,7 +21995,7 @@
 </p:sld>
 </file>
 
-<file path=ppt/slides/slide18.xml><?xml version="1.0" encoding="utf-8"?>
+<file path=ppt/slides/slide17.xml><?xml version="1.0" encoding="utf-8"?>
 <p:sld xmlns:a="http://schemas.openxmlformats.org/drawingml/2006/main" xmlns:r="http://schemas.openxmlformats.org/officeDocument/2006/relationships" xmlns:p="http://schemas.openxmlformats.org/presentationml/2006/main">
   <p:cSld>
     <p:spTree>
@@ -22823,10 +22042,6 @@
               </a:rPr>
               <a:t>五级模型(2)</a:t>
             </a:r>
-            <a:endParaRPr lang="zh-CN" altLang="en-US" b="1" dirty="0">
-              <a:latin typeface="黑体" pitchFamily="49" charset="-122"/>
-              <a:ea typeface="黑体" pitchFamily="49" charset="-122"/>
-            </a:endParaRPr>
           </a:p>
         </p:txBody>
       </p:sp>
@@ -22982,7 +22197,7 @@
 </p:sld>
 </file>
 
-<file path=ppt/slides/slide19.xml><?xml version="1.0" encoding="utf-8"?>
+<file path=ppt/slides/slide18.xml><?xml version="1.0" encoding="utf-8"?>
 <p:sld xmlns:a="http://schemas.openxmlformats.org/drawingml/2006/main" xmlns:r="http://schemas.openxmlformats.org/officeDocument/2006/relationships" xmlns:p="http://schemas.openxmlformats.org/presentationml/2006/main">
   <p:cSld>
     <p:spTree>
@@ -26167,6 +25382,206 @@
 </p:sld>
 </file>
 
+<file path=ppt/slides/slide19.xml><?xml version="1.0" encoding="utf-8"?>
+<p:sld xmlns:a="http://schemas.openxmlformats.org/drawingml/2006/main" xmlns:r="http://schemas.openxmlformats.org/officeDocument/2006/relationships" xmlns:p="http://schemas.openxmlformats.org/presentationml/2006/main">
+  <p:cSld>
+    <p:spTree>
+      <p:nvGrpSpPr>
+        <p:cNvPr id="1" name=""/>
+        <p:cNvGrpSpPr/>
+        <p:nvPr/>
+      </p:nvGrpSpPr>
+      <p:grpSpPr>
+        <a:xfrm>
+          <a:off x="0" y="0"/>
+          <a:ext cx="0" cy="0"/>
+          <a:chOff x="0" y="0"/>
+          <a:chExt cx="0" cy="0"/>
+        </a:xfrm>
+      </p:grpSpPr>
+      <p:sp>
+        <p:nvSpPr>
+          <p:cNvPr id="2" name="标题 1"/>
+          <p:cNvSpPr>
+            <a:spLocks noGrp="1"/>
+          </p:cNvSpPr>
+          <p:nvPr>
+            <p:ph type="title"/>
+          </p:nvPr>
+        </p:nvSpPr>
+        <p:spPr/>
+        <p:txBody>
+          <a:bodyPr/>
+          <a:lstStyle/>
+          <a:p>
+            <a:pPr eaLnBrk="1" hangingPunct="1"/>
+            <a:r>
+              <a:rPr lang="en-US" altLang="zh-CN" b="1" dirty="0">
+                <a:latin typeface="黑体" pitchFamily="49" charset="-122"/>
+                <a:ea typeface="黑体" pitchFamily="49" charset="-122"/>
+              </a:rPr>
+              <a:t>CMM</a:t>
+            </a:r>
+            <a:r>
+              <a:rPr lang="zh-CN" altLang="en-US" b="1" dirty="0">
+                <a:latin typeface="黑体" pitchFamily="49" charset="-122"/>
+                <a:ea typeface="黑体" pitchFamily="49" charset="-122"/>
+              </a:rPr>
+              <a:t>五级模型(</a:t>
+            </a:r>
+            <a:r>
+              <a:rPr lang="en-US" altLang="zh-CN" b="1" dirty="0">
+                <a:latin typeface="黑体" pitchFamily="49" charset="-122"/>
+                <a:ea typeface="黑体" pitchFamily="49" charset="-122"/>
+              </a:rPr>
+              <a:t>3</a:t>
+            </a:r>
+            <a:r>
+              <a:rPr lang="zh-CN" altLang="en-US" b="1" dirty="0">
+                <a:latin typeface="黑体" pitchFamily="49" charset="-122"/>
+                <a:ea typeface="黑体" pitchFamily="49" charset="-122"/>
+              </a:rPr>
+              <a:t>)</a:t>
+            </a:r>
+          </a:p>
+        </p:txBody>
+      </p:sp>
+      <p:sp>
+        <p:nvSpPr>
+          <p:cNvPr id="3" name="内容占位符 2"/>
+          <p:cNvSpPr>
+            <a:spLocks noGrp="1"/>
+          </p:cNvSpPr>
+          <p:nvPr>
+            <p:ph idx="1"/>
+          </p:nvPr>
+        </p:nvSpPr>
+        <p:spPr/>
+        <p:txBody>
+          <a:bodyPr/>
+          <a:lstStyle/>
+          <a:p>
+            <a:r>
+              <a:rPr lang="zh-CN" altLang="en-US" sz="3100" b="1" dirty="0"/>
+              <a:t>第三级：定义级</a:t>
+            </a:r>
+          </a:p>
+          <a:p>
+            <a:pPr lvl="1">
+              <a:lnSpc>
+                <a:spcPct val="90000"/>
+              </a:lnSpc>
+            </a:pPr>
+            <a:r>
+              <a:rPr lang="zh-CN" altLang="en-US" b="1" dirty="0" smtClean="0">
+                <a:solidFill>
+                  <a:schemeClr val="tx1"/>
+                </a:solidFill>
+              </a:rPr>
+              <a:t>每个阶段的内部活动可见</a:t>
+            </a:r>
+          </a:p>
+          <a:p>
+            <a:pPr lvl="1">
+              <a:lnSpc>
+                <a:spcPct val="90000"/>
+              </a:lnSpc>
+            </a:pPr>
+            <a:r>
+              <a:rPr lang="zh-CN" altLang="en-US" b="1" dirty="0" smtClean="0">
+                <a:solidFill>
+                  <a:schemeClr val="tx1"/>
+                </a:solidFill>
+              </a:rPr>
+              <a:t>标准过程和项目定义过程裁剪，制定企业范围的工程化标准，将这些标准集成到企业软件开发标准过程中去。所有开发的项目需根据这个标准过程，剪裁出该项目的过程，并执行这些过程。</a:t>
+            </a:r>
+          </a:p>
+          <a:p>
+            <a:pPr lvl="1">
+              <a:lnSpc>
+                <a:spcPct val="90000"/>
+              </a:lnSpc>
+            </a:pPr>
+            <a:r>
+              <a:rPr lang="zh-CN" altLang="en-US" b="1" dirty="0" smtClean="0">
+                <a:solidFill>
+                  <a:schemeClr val="tx1"/>
+                </a:solidFill>
+              </a:rPr>
+              <a:t>对用于软件开发和维护的标准过程要以文件形式固定下来。针对各个基本过程建立起文件化的“标准软件过程” 。 </a:t>
+            </a:r>
+          </a:p>
+          <a:p>
+            <a:pPr lvl="1">
+              <a:lnSpc>
+                <a:spcPct val="90000"/>
+              </a:lnSpc>
+            </a:pPr>
+            <a:r>
+              <a:rPr lang="zh-CN" altLang="en-US" b="1" dirty="0" smtClean="0">
+                <a:solidFill>
+                  <a:schemeClr val="tx1"/>
+                </a:solidFill>
+              </a:rPr>
+              <a:t>较普遍的看法是</a:t>
+            </a:r>
+            <a:r>
+              <a:rPr lang="zh-CN" altLang="en-US" dirty="0" smtClean="0"/>
+              <a:t>，</a:t>
+            </a:r>
+            <a:r>
+              <a:rPr lang="zh-CN" altLang="en-US" b="1" dirty="0" smtClean="0">
+                <a:solidFill>
+                  <a:srgbClr val="FF0000"/>
+                </a:solidFill>
+              </a:rPr>
+              <a:t>只有当达到了第</a:t>
+            </a:r>
+            <a:r>
+              <a:rPr lang="en-US" altLang="zh-CN" b="1" dirty="0" smtClean="0">
+                <a:solidFill>
+                  <a:srgbClr val="FF0000"/>
+                </a:solidFill>
+              </a:rPr>
+              <a:t>3</a:t>
+            </a:r>
+            <a:r>
+              <a:rPr lang="zh-CN" altLang="en-US" b="1" dirty="0" smtClean="0">
+                <a:solidFill>
+                  <a:srgbClr val="FF0000"/>
+                </a:solidFill>
+              </a:rPr>
+              <a:t>级能力成熟度时，才表明这个软件组织的软件能力“成熟”了。</a:t>
+            </a:r>
+          </a:p>
+          <a:p>
+            <a:endParaRPr lang="zh-CN" altLang="en-US" dirty="0"/>
+          </a:p>
+        </p:txBody>
+      </p:sp>
+    </p:spTree>
+    <p:extLst>
+      <p:ext uri="{BB962C8B-B14F-4D97-AF65-F5344CB8AC3E}">
+        <p14:creationId xmlns:p14="http://schemas.microsoft.com/office/powerpoint/2010/main" val="3700210111"/>
+      </p:ext>
+    </p:extLst>
+  </p:cSld>
+  <p:clrMapOvr>
+    <a:masterClrMapping/>
+  </p:clrMapOvr>
+  <p:transition>
+    <p:dissolve/>
+  </p:transition>
+  <p:timing>
+    <p:tnLst>
+      <p:par>
+        <p:cTn id="1" dur="indefinite" restart="never" nodeType="tmRoot"/>
+      </p:par>
+    </p:tnLst>
+  </p:timing>
+</p:sld>
+</file>
+
 <file path=ppt/slides/slide2.xml><?xml version="1.0" encoding="utf-8"?>
 <p:sld xmlns:a="http://schemas.openxmlformats.org/drawingml/2006/main" xmlns:r="http://schemas.openxmlformats.org/officeDocument/2006/relationships" xmlns:p="http://schemas.openxmlformats.org/presentationml/2006/main">
   <p:cSld>
@@ -26442,206 +25857,6 @@
 </file>
 
 <file path=ppt/slides/slide20.xml><?xml version="1.0" encoding="utf-8"?>
-<p:sld xmlns:a="http://schemas.openxmlformats.org/drawingml/2006/main" xmlns:r="http://schemas.openxmlformats.org/officeDocument/2006/relationships" xmlns:p="http://schemas.openxmlformats.org/presentationml/2006/main">
-  <p:cSld>
-    <p:spTree>
-      <p:nvGrpSpPr>
-        <p:cNvPr id="1" name=""/>
-        <p:cNvGrpSpPr/>
-        <p:nvPr/>
-      </p:nvGrpSpPr>
-      <p:grpSpPr>
-        <a:xfrm>
-          <a:off x="0" y="0"/>
-          <a:ext cx="0" cy="0"/>
-          <a:chOff x="0" y="0"/>
-          <a:chExt cx="0" cy="0"/>
-        </a:xfrm>
-      </p:grpSpPr>
-      <p:sp>
-        <p:nvSpPr>
-          <p:cNvPr id="2" name="标题 1"/>
-          <p:cNvSpPr>
-            <a:spLocks noGrp="1"/>
-          </p:cNvSpPr>
-          <p:nvPr>
-            <p:ph type="title"/>
-          </p:nvPr>
-        </p:nvSpPr>
-        <p:spPr/>
-        <p:txBody>
-          <a:bodyPr/>
-          <a:lstStyle/>
-          <a:p>
-            <a:pPr eaLnBrk="1" hangingPunct="1"/>
-            <a:r>
-              <a:rPr lang="en-US" altLang="zh-CN" b="1" dirty="0">
-                <a:latin typeface="黑体" pitchFamily="49" charset="-122"/>
-                <a:ea typeface="黑体" pitchFamily="49" charset="-122"/>
-              </a:rPr>
-              <a:t>CMM</a:t>
-            </a:r>
-            <a:r>
-              <a:rPr lang="zh-CN" altLang="en-US" b="1" dirty="0">
-                <a:latin typeface="黑体" pitchFamily="49" charset="-122"/>
-                <a:ea typeface="黑体" pitchFamily="49" charset="-122"/>
-              </a:rPr>
-              <a:t>五级模型(</a:t>
-            </a:r>
-            <a:r>
-              <a:rPr lang="en-US" altLang="zh-CN" b="1" dirty="0">
-                <a:latin typeface="黑体" pitchFamily="49" charset="-122"/>
-                <a:ea typeface="黑体" pitchFamily="49" charset="-122"/>
-              </a:rPr>
-              <a:t>3</a:t>
-            </a:r>
-            <a:r>
-              <a:rPr lang="zh-CN" altLang="en-US" b="1" dirty="0">
-                <a:latin typeface="黑体" pitchFamily="49" charset="-122"/>
-                <a:ea typeface="黑体" pitchFamily="49" charset="-122"/>
-              </a:rPr>
-              <a:t>)</a:t>
-            </a:r>
-          </a:p>
-        </p:txBody>
-      </p:sp>
-      <p:sp>
-        <p:nvSpPr>
-          <p:cNvPr id="3" name="内容占位符 2"/>
-          <p:cNvSpPr>
-            <a:spLocks noGrp="1"/>
-          </p:cNvSpPr>
-          <p:nvPr>
-            <p:ph idx="1"/>
-          </p:nvPr>
-        </p:nvSpPr>
-        <p:spPr/>
-        <p:txBody>
-          <a:bodyPr/>
-          <a:lstStyle/>
-          <a:p>
-            <a:r>
-              <a:rPr lang="zh-CN" altLang="en-US" sz="3100" b="1" dirty="0"/>
-              <a:t>第三级：定义级</a:t>
-            </a:r>
-          </a:p>
-          <a:p>
-            <a:pPr lvl="1">
-              <a:lnSpc>
-                <a:spcPct val="90000"/>
-              </a:lnSpc>
-            </a:pPr>
-            <a:r>
-              <a:rPr lang="zh-CN" altLang="en-US" b="1" dirty="0" smtClean="0">
-                <a:solidFill>
-                  <a:schemeClr val="tx1"/>
-                </a:solidFill>
-              </a:rPr>
-              <a:t>每个阶段的内部活动可见</a:t>
-            </a:r>
-          </a:p>
-          <a:p>
-            <a:pPr lvl="1">
-              <a:lnSpc>
-                <a:spcPct val="90000"/>
-              </a:lnSpc>
-            </a:pPr>
-            <a:r>
-              <a:rPr lang="zh-CN" altLang="en-US" b="1" dirty="0" smtClean="0">
-                <a:solidFill>
-                  <a:schemeClr val="tx1"/>
-                </a:solidFill>
-              </a:rPr>
-              <a:t>标准过程和项目定义过程裁剪，制定企业范围的工程化标准，将这些标准集成到企业软件开发标准过程中去。所有开发的项目需根据这个标准过程，剪裁出该项目的过程，并执行这些过程。</a:t>
-            </a:r>
-          </a:p>
-          <a:p>
-            <a:pPr lvl="1">
-              <a:lnSpc>
-                <a:spcPct val="90000"/>
-              </a:lnSpc>
-            </a:pPr>
-            <a:r>
-              <a:rPr lang="zh-CN" altLang="en-US" b="1" dirty="0" smtClean="0">
-                <a:solidFill>
-                  <a:schemeClr val="tx1"/>
-                </a:solidFill>
-              </a:rPr>
-              <a:t>对用于软件开发和维护的标准过程要以文件形式固定下来。针对各个基本过程建立起文件化的“标准软件过程” 。 </a:t>
-            </a:r>
-          </a:p>
-          <a:p>
-            <a:pPr lvl="1">
-              <a:lnSpc>
-                <a:spcPct val="90000"/>
-              </a:lnSpc>
-            </a:pPr>
-            <a:r>
-              <a:rPr lang="zh-CN" altLang="en-US" b="1" dirty="0" smtClean="0">
-                <a:solidFill>
-                  <a:schemeClr val="tx1"/>
-                </a:solidFill>
-              </a:rPr>
-              <a:t>较普遍的看法是</a:t>
-            </a:r>
-            <a:r>
-              <a:rPr lang="zh-CN" altLang="en-US" dirty="0" smtClean="0"/>
-              <a:t>，</a:t>
-            </a:r>
-            <a:r>
-              <a:rPr lang="zh-CN" altLang="en-US" b="1" dirty="0" smtClean="0">
-                <a:solidFill>
-                  <a:srgbClr val="FF0000"/>
-                </a:solidFill>
-              </a:rPr>
-              <a:t>只有当达到了第</a:t>
-            </a:r>
-            <a:r>
-              <a:rPr lang="en-US" altLang="zh-CN" b="1" dirty="0" smtClean="0">
-                <a:solidFill>
-                  <a:srgbClr val="FF0000"/>
-                </a:solidFill>
-              </a:rPr>
-              <a:t>3</a:t>
-            </a:r>
-            <a:r>
-              <a:rPr lang="zh-CN" altLang="en-US" b="1" dirty="0" smtClean="0">
-                <a:solidFill>
-                  <a:srgbClr val="FF0000"/>
-                </a:solidFill>
-              </a:rPr>
-              <a:t>级能力成熟度时，才表明这个软件组织的软件能力“成熟”了。</a:t>
-            </a:r>
-          </a:p>
-          <a:p>
-            <a:endParaRPr lang="zh-CN" altLang="en-US" dirty="0"/>
-          </a:p>
-        </p:txBody>
-      </p:sp>
-    </p:spTree>
-    <p:extLst>
-      <p:ext uri="{BB962C8B-B14F-4D97-AF65-F5344CB8AC3E}">
-        <p14:creationId xmlns:p14="http://schemas.microsoft.com/office/powerpoint/2010/main" val="3700210111"/>
-      </p:ext>
-    </p:extLst>
-  </p:cSld>
-  <p:clrMapOvr>
-    <a:masterClrMapping/>
-  </p:clrMapOvr>
-  <p:transition>
-    <p:dissolve/>
-  </p:transition>
-  <p:timing>
-    <p:tnLst>
-      <p:par>
-        <p:cTn id="1" dur="indefinite" restart="never" nodeType="tmRoot"/>
-      </p:par>
-    </p:tnLst>
-  </p:timing>
-</p:sld>
-</file>
-
-<file path=ppt/slides/slide21.xml><?xml version="1.0" encoding="utf-8"?>
 <p:sld xmlns:a="http://schemas.openxmlformats.org/drawingml/2006/main" xmlns:r="http://schemas.openxmlformats.org/officeDocument/2006/relationships" xmlns:p="http://schemas.openxmlformats.org/presentationml/2006/main">
   <p:cSld>
     <p:spTree>
@@ -30115,7 +29330,7 @@
 </p:sld>
 </file>
 
-<file path=ppt/slides/slide22.xml><?xml version="1.0" encoding="utf-8"?>
+<file path=ppt/slides/slide21.xml><?xml version="1.0" encoding="utf-8"?>
 <p:sld xmlns:a="http://schemas.openxmlformats.org/drawingml/2006/main" xmlns:r="http://schemas.openxmlformats.org/officeDocument/2006/relationships" xmlns:p="http://schemas.openxmlformats.org/presentationml/2006/main">
   <p:cSld>
     <p:spTree>
@@ -30350,7 +29565,7 @@
 </p:sld>
 </file>
 
-<file path=ppt/slides/slide23.xml><?xml version="1.0" encoding="utf-8"?>
+<file path=ppt/slides/slide22.xml><?xml version="1.0" encoding="utf-8"?>
 <p:sld xmlns:a="http://schemas.openxmlformats.org/drawingml/2006/main" xmlns:r="http://schemas.openxmlformats.org/officeDocument/2006/relationships" xmlns:p="http://schemas.openxmlformats.org/presentationml/2006/main">
   <p:cSld>
     <p:spTree>
@@ -34069,7 +33284,7 @@
 </p:sld>
 </file>
 
-<file path=ppt/slides/slide24.xml><?xml version="1.0" encoding="utf-8"?>
+<file path=ppt/slides/slide23.xml><?xml version="1.0" encoding="utf-8"?>
 <p:sld xmlns:a="http://schemas.openxmlformats.org/drawingml/2006/main" xmlns:r="http://schemas.openxmlformats.org/officeDocument/2006/relationships" xmlns:p="http://schemas.openxmlformats.org/presentationml/2006/main">
   <p:cSld>
     <p:spTree>
@@ -34246,7 +33461,7 @@
 </p:sld>
 </file>
 
-<file path=ppt/slides/slide25.xml><?xml version="1.0" encoding="utf-8"?>
+<file path=ppt/slides/slide24.xml><?xml version="1.0" encoding="utf-8"?>
 <p:sld xmlns:a="http://schemas.openxmlformats.org/drawingml/2006/main" xmlns:r="http://schemas.openxmlformats.org/officeDocument/2006/relationships" xmlns:p="http://schemas.openxmlformats.org/presentationml/2006/main">
   <p:cSld>
     <p:spTree>
@@ -34467,7 +33682,7 @@
             <a:fld id="{2C94674F-49E1-416F-9C4D-1B58472BEB2A}" type="slidenum">
               <a:rPr lang="en-US" altLang="zh-CN" sz="1200"/>
               <a:pPr algn="r" eaLnBrk="1" hangingPunct="1"/>
-              <a:t>25</a:t>
+              <a:t>24</a:t>
             </a:fld>
             <a:endParaRPr lang="en-US" altLang="zh-CN" sz="1200"/>
           </a:p>
@@ -34506,194 +33721,6 @@
       </p:grpSpPr>
       <p:sp>
         <p:nvSpPr>
-          <p:cNvPr id="30724" name="标题 11"/>
-          <p:cNvSpPr>
-            <a:spLocks noGrp="1"/>
-          </p:cNvSpPr>
-          <p:nvPr>
-            <p:ph type="title"/>
-          </p:nvPr>
-        </p:nvSpPr>
-        <p:spPr/>
-        <p:txBody>
-          <a:bodyPr/>
-          <a:lstStyle/>
-          <a:p>
-            <a:pPr eaLnBrk="1" hangingPunct="1"/>
-            <a:r>
-              <a:rPr lang="zh-CN" altLang="en-US" b="1" dirty="0">
-                <a:latin typeface="黑体" pitchFamily="49" charset="-122"/>
-                <a:ea typeface="黑体" pitchFamily="49" charset="-122"/>
-              </a:rPr>
-              <a:t>测试总结报告定义</a:t>
-            </a:r>
-          </a:p>
-        </p:txBody>
-      </p:sp>
-      <p:sp>
-        <p:nvSpPr>
-          <p:cNvPr id="30723" name="内容占位符 2"/>
-          <p:cNvSpPr>
-            <a:spLocks noGrp="1"/>
-          </p:cNvSpPr>
-          <p:nvPr>
-            <p:ph idx="1"/>
-          </p:nvPr>
-        </p:nvSpPr>
-        <p:spPr/>
-        <p:txBody>
-          <a:bodyPr/>
-          <a:lstStyle/>
-          <a:p>
-            <a:pPr algn="just" eaLnBrk="1" hangingPunct="1"/>
-            <a:r>
-              <a:rPr lang="zh-CN" altLang="en-US" sz="3400" b="1" dirty="0"/>
-              <a:t>测试报告文档是测试阶段最后的文档产出物，把</a:t>
-            </a:r>
-            <a:r>
-              <a:rPr lang="zh-CN" altLang="en-US" sz="3400" b="1" dirty="0">
-                <a:solidFill>
-                  <a:srgbClr val="FF0000"/>
-                </a:solidFill>
-              </a:rPr>
-              <a:t>测试的过程和结果</a:t>
-            </a:r>
-            <a:r>
-              <a:rPr lang="zh-CN" altLang="en-US" sz="3400" b="1" dirty="0"/>
-              <a:t>写成文档，并对发现的问题和缺陷进行</a:t>
-            </a:r>
-            <a:r>
-              <a:rPr lang="zh-CN" altLang="en-US" sz="3400" b="1" dirty="0">
-                <a:solidFill>
-                  <a:srgbClr val="FF0000"/>
-                </a:solidFill>
-              </a:rPr>
-              <a:t>分析</a:t>
-            </a:r>
-            <a:r>
-              <a:rPr lang="zh-CN" altLang="en-US" sz="3400" b="1" dirty="0"/>
-              <a:t>，为纠正软件的存在的质量问题提供依据，同时为软件验收和交付打下基础。 </a:t>
-            </a:r>
-          </a:p>
-          <a:p>
-            <a:pPr eaLnBrk="1" hangingPunct="1"/>
-            <a:endParaRPr lang="en-US" altLang="zh-CN" dirty="0" smtClean="0">
-              <a:ea typeface="宋体" pitchFamily="2" charset="-122"/>
-            </a:endParaRPr>
-          </a:p>
-          <a:p>
-            <a:pPr eaLnBrk="1" hangingPunct="1">
-              <a:buFont typeface="Wingdings" pitchFamily="2" charset="2"/>
-              <a:buNone/>
-            </a:pPr>
-            <a:r>
-              <a:rPr lang="zh-CN" altLang="en-US" dirty="0" smtClean="0">
-                <a:ea typeface="宋体" pitchFamily="2" charset="-122"/>
-              </a:rPr>
-              <a:t>          </a:t>
-            </a:r>
-            <a:endParaRPr lang="en-US" altLang="zh-CN" dirty="0" smtClean="0">
-              <a:ea typeface="宋体" pitchFamily="2" charset="-122"/>
-            </a:endParaRPr>
-          </a:p>
-          <a:p>
-            <a:pPr eaLnBrk="1" hangingPunct="1">
-              <a:buFont typeface="Wingdings" pitchFamily="2" charset="2"/>
-              <a:buNone/>
-            </a:pPr>
-            <a:r>
-              <a:rPr lang="zh-CN" altLang="en-US" dirty="0" smtClean="0">
-                <a:ea typeface="宋体" pitchFamily="2" charset="-122"/>
-              </a:rPr>
-              <a:t>      </a:t>
-            </a:r>
-            <a:endParaRPr lang="en-US" altLang="zh-CN" dirty="0" smtClean="0">
-              <a:ea typeface="宋体" pitchFamily="2" charset="-122"/>
-            </a:endParaRPr>
-          </a:p>
-          <a:p>
-            <a:pPr eaLnBrk="1" hangingPunct="1">
-              <a:buFont typeface="Wingdings" pitchFamily="2" charset="2"/>
-              <a:buNone/>
-            </a:pPr>
-            <a:endParaRPr lang="en-US" altLang="zh-CN" dirty="0" smtClean="0">
-              <a:ea typeface="宋体" pitchFamily="2" charset="-122"/>
-            </a:endParaRPr>
-          </a:p>
-          <a:p>
-            <a:pPr eaLnBrk="1" hangingPunct="1">
-              <a:buFont typeface="Wingdings" pitchFamily="2" charset="2"/>
-              <a:buNone/>
-            </a:pPr>
-            <a:endParaRPr lang="en-US" altLang="zh-CN" dirty="0" smtClean="0">
-              <a:ea typeface="宋体" pitchFamily="2" charset="-122"/>
-            </a:endParaRPr>
-          </a:p>
-          <a:p>
-            <a:pPr eaLnBrk="1" hangingPunct="1">
-              <a:buFont typeface="Wingdings" pitchFamily="2" charset="2"/>
-              <a:buNone/>
-            </a:pPr>
-            <a:r>
-              <a:rPr lang="en-US" altLang="zh-CN" dirty="0" smtClean="0">
-                <a:ea typeface="宋体" pitchFamily="2" charset="-122"/>
-              </a:rPr>
-              <a:t>    </a:t>
-            </a:r>
-            <a:r>
-              <a:rPr lang="zh-CN" altLang="en-US" dirty="0" smtClean="0">
-                <a:ea typeface="宋体" pitchFamily="2" charset="-122"/>
-              </a:rPr>
-              <a:t>测试阶段最后即测试即将完成时进行分析和编写。  </a:t>
-            </a:r>
-            <a:endParaRPr lang="en-US" altLang="zh-CN" dirty="0" smtClean="0">
-              <a:ea typeface="宋体" pitchFamily="2" charset="-122"/>
-            </a:endParaRPr>
-          </a:p>
-        </p:txBody>
-      </p:sp>
-    </p:spTree>
-    <p:extLst>
-      <p:ext uri="{BB962C8B-B14F-4D97-AF65-F5344CB8AC3E}">
-        <p14:creationId xmlns:p14="http://schemas.microsoft.com/office/powerpoint/2010/main" val="180621234"/>
-      </p:ext>
-    </p:extLst>
-  </p:cSld>
-  <p:clrMapOvr>
-    <a:masterClrMapping/>
-  </p:clrMapOvr>
-  <p:transition>
-    <p:randomBar dir="vert"/>
-  </p:transition>
-  <p:timing>
-    <p:tnLst>
-      <p:par>
-        <p:cTn id="1" dur="indefinite" restart="never" nodeType="tmRoot"/>
-      </p:par>
-    </p:tnLst>
-  </p:timing>
-</p:sld>
-</file>
-
-<file path=ppt/slides/slide4.xml><?xml version="1.0" encoding="utf-8"?>
-<p:sld xmlns:a="http://schemas.openxmlformats.org/drawingml/2006/main" xmlns:r="http://schemas.openxmlformats.org/officeDocument/2006/relationships" xmlns:p="http://schemas.openxmlformats.org/presentationml/2006/main">
-  <p:cSld>
-    <p:spTree>
-      <p:nvGrpSpPr>
-        <p:cNvPr id="1" name=""/>
-        <p:cNvGrpSpPr/>
-        <p:nvPr/>
-      </p:nvGrpSpPr>
-      <p:grpSpPr>
-        <a:xfrm>
-          <a:off x="0" y="0"/>
-          <a:ext cx="0" cy="0"/>
-          <a:chOff x="0" y="0"/>
-          <a:chExt cx="0" cy="0"/>
-        </a:xfrm>
-      </p:grpSpPr>
-      <p:sp>
-        <p:nvSpPr>
           <p:cNvPr id="15362" name="标题 1"/>
           <p:cNvSpPr>
             <a:spLocks noGrp="1"/>
@@ -34718,14 +33745,7 @@
                 <a:latin typeface="黑体" pitchFamily="49" charset="-122"/>
                 <a:ea typeface="黑体" pitchFamily="49" charset="-122"/>
               </a:rPr>
-              <a:t>软件质量的</a:t>
-            </a:r>
-            <a:r>
-              <a:rPr lang="zh-CN" altLang="en-US" b="1" dirty="0">
-                <a:latin typeface="黑体" pitchFamily="49" charset="-122"/>
-                <a:ea typeface="黑体" pitchFamily="49" charset="-122"/>
-              </a:rPr>
-              <a:t>概念</a:t>
+              <a:t>软件质量的概念</a:t>
             </a:r>
           </a:p>
         </p:txBody>
@@ -34961,7 +33981,7 @@
 </p:sld>
 </file>
 
-<file path=ppt/slides/slide5.xml><?xml version="1.0" encoding="utf-8"?>
+<file path=ppt/slides/slide4.xml><?xml version="1.0" encoding="utf-8"?>
 <p:sld xmlns:a="http://schemas.openxmlformats.org/drawingml/2006/main" xmlns:r="http://schemas.openxmlformats.org/officeDocument/2006/relationships" xmlns:p="http://schemas.openxmlformats.org/presentationml/2006/main">
   <p:cSld>
     <p:spTree>
@@ -35031,11 +34051,7 @@
             </a:pPr>
             <a:r>
               <a:rPr lang="zh-CN" altLang="en-US" sz="3400" b="1" dirty="0"/>
-              <a:t>软件</a:t>
-            </a:r>
-            <a:r>
-              <a:rPr lang="zh-CN" altLang="en-US" sz="3400" b="1" dirty="0"/>
-              <a:t>需求</a:t>
+              <a:t>软件需求</a:t>
             </a:r>
             <a:endParaRPr lang="en-US" altLang="zh-CN" sz="3400" b="1" dirty="0"/>
           </a:p>
@@ -35047,11 +34063,7 @@
             </a:pPr>
             <a:r>
               <a:rPr lang="zh-CN" altLang="en-US" sz="3400" b="1" dirty="0"/>
-              <a:t>开发</a:t>
-            </a:r>
-            <a:r>
-              <a:rPr lang="zh-CN" altLang="en-US" sz="3400" b="1" dirty="0"/>
-              <a:t>标准</a:t>
+              <a:t>开发标准</a:t>
             </a:r>
             <a:endParaRPr lang="en-US" altLang="zh-CN" sz="3400" b="1" dirty="0"/>
           </a:p>
@@ -35065,7 +34077,6 @@
               <a:rPr lang="zh-CN" altLang="en-US" sz="3400" b="1" dirty="0"/>
               <a:t>隐性需求</a:t>
             </a:r>
-            <a:endParaRPr lang="zh-CN" altLang="en-US" sz="3400" b="1" dirty="0"/>
           </a:p>
         </p:txBody>
       </p:sp>
@@ -35125,7 +34136,7 @@
 </p:sld>
 </file>
 
-<file path=ppt/slides/slide6.xml><?xml version="1.0" encoding="utf-8"?>
+<file path=ppt/slides/slide5.xml><?xml version="1.0" encoding="utf-8"?>
 <p:sld xmlns:a="http://schemas.openxmlformats.org/drawingml/2006/main" xmlns:r="http://schemas.openxmlformats.org/officeDocument/2006/relationships" xmlns:p="http://schemas.openxmlformats.org/presentationml/2006/main">
   <p:cSld>
     <p:spTree>
@@ -36466,6 +35477,155 @@
 </p:sld>
 </file>
 
+<file path=ppt/slides/slide6.xml><?xml version="1.0" encoding="utf-8"?>
+<p:sld xmlns:a="http://schemas.openxmlformats.org/drawingml/2006/main" xmlns:r="http://schemas.openxmlformats.org/officeDocument/2006/relationships" xmlns:p="http://schemas.openxmlformats.org/presentationml/2006/main">
+  <p:cSld>
+    <p:spTree>
+      <p:nvGrpSpPr>
+        <p:cNvPr id="1" name=""/>
+        <p:cNvGrpSpPr/>
+        <p:nvPr/>
+      </p:nvGrpSpPr>
+      <p:grpSpPr>
+        <a:xfrm>
+          <a:off x="0" y="0"/>
+          <a:ext cx="0" cy="0"/>
+          <a:chOff x="0" y="0"/>
+          <a:chExt cx="0" cy="0"/>
+        </a:xfrm>
+      </p:grpSpPr>
+      <p:sp>
+        <p:nvSpPr>
+          <p:cNvPr id="2" name="标题 1"/>
+          <p:cNvSpPr>
+            <a:spLocks noGrp="1"/>
+          </p:cNvSpPr>
+          <p:nvPr>
+            <p:ph type="title"/>
+          </p:nvPr>
+        </p:nvSpPr>
+        <p:spPr/>
+        <p:txBody>
+          <a:bodyPr/>
+          <a:lstStyle/>
+          <a:p>
+            <a:pPr eaLnBrk="1" hangingPunct="1"/>
+            <a:r>
+              <a:rPr lang="zh-CN" altLang="en-US" b="1" dirty="0">
+                <a:latin typeface="黑体" pitchFamily="49" charset="-122"/>
+                <a:ea typeface="黑体" pitchFamily="49" charset="-122"/>
+              </a:rPr>
+              <a:t>软件质量的不同视角</a:t>
+            </a:r>
+            <a:r>
+              <a:rPr lang="en-US" altLang="zh-CN" b="1" dirty="0">
+                <a:latin typeface="黑体" pitchFamily="49" charset="-122"/>
+                <a:ea typeface="黑体" pitchFamily="49" charset="-122"/>
+              </a:rPr>
+              <a:t>——</a:t>
+            </a:r>
+            <a:r>
+              <a:rPr lang="zh-CN" altLang="en-US" b="1" dirty="0">
+                <a:latin typeface="黑体" pitchFamily="49" charset="-122"/>
+                <a:ea typeface="黑体" pitchFamily="49" charset="-122"/>
+              </a:rPr>
+              <a:t>用户</a:t>
+            </a:r>
+          </a:p>
+        </p:txBody>
+      </p:sp>
+      <p:sp>
+        <p:nvSpPr>
+          <p:cNvPr id="3" name="内容占位符 2"/>
+          <p:cNvSpPr>
+            <a:spLocks noGrp="1"/>
+          </p:cNvSpPr>
+          <p:nvPr>
+            <p:ph idx="1"/>
+          </p:nvPr>
+        </p:nvSpPr>
+        <p:spPr>
+          <a:xfrm>
+            <a:off x="578371" y="1667470"/>
+            <a:ext cx="7666037" cy="4641850"/>
+          </a:xfrm>
+        </p:spPr>
+        <p:txBody>
+          <a:bodyPr/>
+          <a:lstStyle/>
+          <a:p>
+            <a:pPr eaLnBrk="1" hangingPunct="1"/>
+            <a:r>
+              <a:rPr lang="zh-CN" altLang="en-US" sz="3400" b="1" dirty="0"/>
+              <a:t>用户主要感兴趣的是如何使用软件、软件性能和使用软件的效果</a:t>
+            </a:r>
+            <a:endParaRPr lang="en-US" altLang="zh-CN" sz="3400" b="1" dirty="0"/>
+          </a:p>
+          <a:p>
+            <a:pPr lvl="1" eaLnBrk="1" hangingPunct="1"/>
+            <a:r>
+              <a:rPr lang="zh-CN" altLang="en-US" sz="3100" b="1" dirty="0"/>
+              <a:t>是否具有所需要的功能</a:t>
+            </a:r>
+            <a:endParaRPr lang="en-US" altLang="zh-CN" sz="3100" b="1" dirty="0"/>
+          </a:p>
+          <a:p>
+            <a:pPr lvl="1" eaLnBrk="1" hangingPunct="1"/>
+            <a:r>
+              <a:rPr lang="zh-CN" altLang="en-US" sz="3100" b="1" dirty="0"/>
+              <a:t>可靠程度如何</a:t>
+            </a:r>
+            <a:endParaRPr lang="en-US" altLang="zh-CN" sz="3100" b="1" dirty="0"/>
+          </a:p>
+          <a:p>
+            <a:pPr lvl="1" eaLnBrk="1" hangingPunct="1"/>
+            <a:r>
+              <a:rPr lang="zh-CN" altLang="en-US" sz="3100" b="1" dirty="0"/>
+              <a:t>效率如何</a:t>
+            </a:r>
+            <a:endParaRPr lang="en-US" altLang="zh-CN" sz="3100" b="1" dirty="0"/>
+          </a:p>
+          <a:p>
+            <a:pPr lvl="1" eaLnBrk="1" hangingPunct="1"/>
+            <a:r>
+              <a:rPr lang="zh-CN" altLang="en-US" sz="3100" b="1" dirty="0"/>
+              <a:t>使用是否方便</a:t>
+            </a:r>
+            <a:endParaRPr lang="en-US" altLang="zh-CN" sz="3100" b="1" dirty="0"/>
+          </a:p>
+          <a:p>
+            <a:pPr lvl="1" eaLnBrk="1" hangingPunct="1"/>
+            <a:r>
+              <a:rPr lang="zh-CN" altLang="en-US" sz="3100" b="1" dirty="0"/>
+              <a:t>环境开放的程度如何</a:t>
+            </a:r>
+            <a:endParaRPr lang="en-US" altLang="zh-CN" sz="3100" b="1" dirty="0"/>
+          </a:p>
+        </p:txBody>
+      </p:sp>
+    </p:spTree>
+    <p:extLst>
+      <p:ext uri="{BB962C8B-B14F-4D97-AF65-F5344CB8AC3E}">
+        <p14:creationId xmlns:p14="http://schemas.microsoft.com/office/powerpoint/2010/main" val="3195864513"/>
+      </p:ext>
+    </p:extLst>
+  </p:cSld>
+  <p:clrMapOvr>
+    <a:masterClrMapping/>
+  </p:clrMapOvr>
+  <p:transition>
+    <p:blinds dir="vert"/>
+  </p:transition>
+  <p:timing>
+    <p:tnLst>
+      <p:par>
+        <p:cTn id="1" dur="indefinite" restart="never" nodeType="tmRoot"/>
+      </p:par>
+    </p:tnLst>
+  </p:timing>
+</p:sld>
+</file>
+
 <file path=ppt/slides/slide7.xml><?xml version="1.0" encoding="utf-8"?>
 <p:sld xmlns:a="http://schemas.openxmlformats.org/drawingml/2006/main" xmlns:r="http://schemas.openxmlformats.org/officeDocument/2006/relationships" xmlns:p="http://schemas.openxmlformats.org/presentationml/2006/main">
   <p:cSld>
@@ -36504,14 +35664,7 @@
                 <a:latin typeface="黑体" pitchFamily="49" charset="-122"/>
                 <a:ea typeface="黑体" pitchFamily="49" charset="-122"/>
               </a:rPr>
-              <a:t>软件质量的不同</a:t>
-            </a:r>
-            <a:r>
-              <a:rPr lang="zh-CN" altLang="en-US" b="1" dirty="0">
-                <a:latin typeface="黑体" pitchFamily="49" charset="-122"/>
-                <a:ea typeface="黑体" pitchFamily="49" charset="-122"/>
-              </a:rPr>
-              <a:t>视角</a:t>
+              <a:t>软件质量的不同视角</a:t>
             </a:r>
             <a:r>
               <a:rPr lang="en-US" altLang="zh-CN" b="1" dirty="0">
@@ -36525,194 +35678,7 @@
                 <a:latin typeface="黑体" pitchFamily="49" charset="-122"/>
                 <a:ea typeface="黑体" pitchFamily="49" charset="-122"/>
               </a:rPr>
-              <a:t>用户</a:t>
-            </a:r>
-            <a:endParaRPr lang="zh-CN" altLang="en-US" b="1" dirty="0">
-              <a:latin typeface="黑体" pitchFamily="49" charset="-122"/>
-              <a:ea typeface="黑体" pitchFamily="49" charset="-122"/>
-            </a:endParaRPr>
-          </a:p>
-        </p:txBody>
-      </p:sp>
-      <p:sp>
-        <p:nvSpPr>
-          <p:cNvPr id="3" name="内容占位符 2"/>
-          <p:cNvSpPr>
-            <a:spLocks noGrp="1"/>
-          </p:cNvSpPr>
-          <p:nvPr>
-            <p:ph idx="1"/>
-          </p:nvPr>
-        </p:nvSpPr>
-        <p:spPr>
-          <a:xfrm>
-            <a:off x="578371" y="1667470"/>
-            <a:ext cx="7666037" cy="4641850"/>
-          </a:xfrm>
-        </p:spPr>
-        <p:txBody>
-          <a:bodyPr/>
-          <a:lstStyle/>
-          <a:p>
-            <a:pPr eaLnBrk="1" hangingPunct="1"/>
-            <a:r>
-              <a:rPr lang="zh-CN" altLang="en-US" sz="3400" b="1" dirty="0"/>
-              <a:t>用户主要感兴趣的是如何使用软件、软件性能和使用软件的效果</a:t>
-            </a:r>
-            <a:endParaRPr lang="en-US" altLang="zh-CN" sz="3400" b="1" dirty="0"/>
-          </a:p>
-          <a:p>
-            <a:pPr lvl="1" eaLnBrk="1" hangingPunct="1"/>
-            <a:r>
-              <a:rPr lang="zh-CN" altLang="en-US" sz="3100" b="1" dirty="0"/>
-              <a:t>是否具有所需要的</a:t>
-            </a:r>
-            <a:r>
-              <a:rPr lang="zh-CN" altLang="en-US" sz="3100" b="1" dirty="0"/>
-              <a:t>功能</a:t>
-            </a:r>
-            <a:endParaRPr lang="en-US" altLang="zh-CN" sz="3100" b="1" dirty="0"/>
-          </a:p>
-          <a:p>
-            <a:pPr lvl="1" eaLnBrk="1" hangingPunct="1"/>
-            <a:r>
-              <a:rPr lang="zh-CN" altLang="en-US" sz="3100" b="1" dirty="0"/>
-              <a:t>可靠程度</a:t>
-            </a:r>
-            <a:r>
-              <a:rPr lang="zh-CN" altLang="en-US" sz="3100" b="1" dirty="0"/>
-              <a:t>如何</a:t>
-            </a:r>
-            <a:endParaRPr lang="en-US" altLang="zh-CN" sz="3100" b="1" dirty="0"/>
-          </a:p>
-          <a:p>
-            <a:pPr lvl="1" eaLnBrk="1" hangingPunct="1"/>
-            <a:r>
-              <a:rPr lang="zh-CN" altLang="en-US" sz="3100" b="1" dirty="0"/>
-              <a:t>效率</a:t>
-            </a:r>
-            <a:r>
-              <a:rPr lang="zh-CN" altLang="en-US" sz="3100" b="1" dirty="0"/>
-              <a:t>如何</a:t>
-            </a:r>
-            <a:endParaRPr lang="en-US" altLang="zh-CN" sz="3100" b="1" dirty="0"/>
-          </a:p>
-          <a:p>
-            <a:pPr lvl="1" eaLnBrk="1" hangingPunct="1"/>
-            <a:r>
-              <a:rPr lang="zh-CN" altLang="en-US" sz="3100" b="1" dirty="0"/>
-              <a:t>使用是否</a:t>
-            </a:r>
-            <a:r>
-              <a:rPr lang="zh-CN" altLang="en-US" sz="3100" b="1" dirty="0"/>
-              <a:t>方便</a:t>
-            </a:r>
-            <a:endParaRPr lang="en-US" altLang="zh-CN" sz="3100" b="1" dirty="0"/>
-          </a:p>
-          <a:p>
-            <a:pPr lvl="1" eaLnBrk="1" hangingPunct="1"/>
-            <a:r>
-              <a:rPr lang="zh-CN" altLang="en-US" sz="3100" b="1" dirty="0"/>
-              <a:t>环境开放的程度</a:t>
-            </a:r>
-            <a:r>
-              <a:rPr lang="zh-CN" altLang="en-US" sz="3100" b="1" dirty="0"/>
-              <a:t>如何</a:t>
-            </a:r>
-            <a:endParaRPr lang="en-US" altLang="zh-CN" sz="3100" b="1" dirty="0"/>
-          </a:p>
-        </p:txBody>
-      </p:sp>
-    </p:spTree>
-    <p:extLst>
-      <p:ext uri="{BB962C8B-B14F-4D97-AF65-F5344CB8AC3E}">
-        <p14:creationId xmlns:p14="http://schemas.microsoft.com/office/powerpoint/2010/main" val="3195864513"/>
-      </p:ext>
-    </p:extLst>
-  </p:cSld>
-  <p:clrMapOvr>
-    <a:masterClrMapping/>
-  </p:clrMapOvr>
-  <p:transition>
-    <p:blinds dir="vert"/>
-  </p:transition>
-  <p:timing>
-    <p:tnLst>
-      <p:par>
-        <p:cTn id="1" dur="indefinite" restart="never" nodeType="tmRoot"/>
-      </p:par>
-    </p:tnLst>
-  </p:timing>
-</p:sld>
-</file>
-
-<file path=ppt/slides/slide8.xml><?xml version="1.0" encoding="utf-8"?>
-<p:sld xmlns:a="http://schemas.openxmlformats.org/drawingml/2006/main" xmlns:r="http://schemas.openxmlformats.org/officeDocument/2006/relationships" xmlns:p="http://schemas.openxmlformats.org/presentationml/2006/main">
-  <p:cSld>
-    <p:spTree>
-      <p:nvGrpSpPr>
-        <p:cNvPr id="1" name=""/>
-        <p:cNvGrpSpPr/>
-        <p:nvPr/>
-      </p:nvGrpSpPr>
-      <p:grpSpPr>
-        <a:xfrm>
-          <a:off x="0" y="0"/>
-          <a:ext cx="0" cy="0"/>
-          <a:chOff x="0" y="0"/>
-          <a:chExt cx="0" cy="0"/>
-        </a:xfrm>
-      </p:grpSpPr>
-      <p:sp>
-        <p:nvSpPr>
-          <p:cNvPr id="2" name="标题 1"/>
-          <p:cNvSpPr>
-            <a:spLocks noGrp="1"/>
-          </p:cNvSpPr>
-          <p:nvPr>
-            <p:ph type="title"/>
-          </p:nvPr>
-        </p:nvSpPr>
-        <p:spPr/>
-        <p:txBody>
-          <a:bodyPr/>
-          <a:lstStyle/>
-          <a:p>
-            <a:pPr eaLnBrk="1" hangingPunct="1"/>
-            <a:r>
-              <a:rPr lang="zh-CN" altLang="en-US" b="1" dirty="0">
-                <a:latin typeface="黑体" pitchFamily="49" charset="-122"/>
-                <a:ea typeface="黑体" pitchFamily="49" charset="-122"/>
-              </a:rPr>
-              <a:t>软件质量的不同</a:t>
-            </a:r>
-            <a:r>
-              <a:rPr lang="zh-CN" altLang="en-US" b="1" dirty="0">
-                <a:latin typeface="黑体" pitchFamily="49" charset="-122"/>
-                <a:ea typeface="黑体" pitchFamily="49" charset="-122"/>
-              </a:rPr>
-              <a:t>视角</a:t>
-            </a:r>
-            <a:r>
-              <a:rPr lang="en-US" altLang="zh-CN" b="1" dirty="0">
-                <a:latin typeface="黑体" pitchFamily="49" charset="-122"/>
-                <a:ea typeface="黑体" pitchFamily="49" charset="-122"/>
-              </a:rPr>
-              <a:t>——</a:t>
-            </a:r>
-            <a:r>
-              <a:rPr lang="zh-CN" altLang="en-US" b="1" dirty="0">
-                <a:latin typeface="黑体" pitchFamily="49" charset="-122"/>
-                <a:ea typeface="黑体" pitchFamily="49" charset="-122"/>
-              </a:rPr>
-              <a:t>开发</a:t>
-            </a:r>
-            <a:r>
-              <a:rPr lang="zh-CN" altLang="en-US" b="1" dirty="0">
-                <a:latin typeface="黑体" pitchFamily="49" charset="-122"/>
-                <a:ea typeface="黑体" pitchFamily="49" charset="-122"/>
-              </a:rPr>
-              <a:t>者</a:t>
+              <a:t>开发者</a:t>
             </a:r>
           </a:p>
         </p:txBody>
@@ -36787,11 +35753,7 @@
             </a:pPr>
             <a:r>
               <a:rPr lang="zh-CN" altLang="en-US" sz="3100" b="1" dirty="0"/>
-              <a:t>软件产品是否易于</a:t>
-            </a:r>
-            <a:r>
-              <a:rPr lang="zh-CN" altLang="en-US" sz="3100" b="1" dirty="0"/>
-              <a:t>测试</a:t>
+              <a:t>软件产品是否易于测试</a:t>
             </a:r>
             <a:endParaRPr lang="en-US" altLang="zh-CN" sz="3100" b="1" dirty="0"/>
           </a:p>
@@ -36820,7 +35782,7 @@
 </p:sld>
 </file>
 
-<file path=ppt/slides/slide9.xml><?xml version="1.0" encoding="utf-8"?>
+<file path=ppt/slides/slide8.xml><?xml version="1.0" encoding="utf-8"?>
 <p:sld xmlns:a="http://schemas.openxmlformats.org/drawingml/2006/main" xmlns:r="http://schemas.openxmlformats.org/officeDocument/2006/relationships" xmlns:p="http://schemas.openxmlformats.org/presentationml/2006/main">
   <p:cSld>
     <p:spTree>
@@ -37172,18 +36134,7 @@
                   </a:solidFill>
                   <a:ea typeface="+mn-ea"/>
                 </a:rPr>
-                <a:t>         </a:t>
-              </a:r>
-              <a:r>
-                <a:rPr lang="en-US" altLang="zh-CN" b="0" dirty="0" smtClean="0">
-                  <a:solidFill>
-                    <a:schemeClr val="accent1">
-                      <a:lumMod val="25000"/>
-                    </a:schemeClr>
-                  </a:solidFill>
-                  <a:ea typeface="+mn-ea"/>
-                </a:rPr>
-                <a:t>ISO </a:t>
+                <a:t>         ISO </a:t>
               </a:r>
               <a:r>
                 <a:rPr lang="en-US" altLang="zh-CN" b="0" dirty="0">
@@ -37210,18 +36161,7 @@
                   </a:solidFill>
                   <a:ea typeface="+mn-ea"/>
                 </a:rPr>
-                <a:t>         </a:t>
-              </a:r>
-              <a:r>
-                <a:rPr lang="en-US" altLang="zh-CN" b="0" dirty="0" smtClean="0">
-                  <a:solidFill>
-                    <a:schemeClr val="accent1">
-                      <a:lumMod val="25000"/>
-                    </a:schemeClr>
-                  </a:solidFill>
-                  <a:ea typeface="+mn-ea"/>
-                </a:rPr>
-                <a:t>Boehm </a:t>
+                <a:t>         Boehm </a:t>
               </a:r>
               <a:endParaRPr lang="zh-TW" altLang="en-US" b="0" dirty="0">
                 <a:solidFill>
@@ -37449,29 +36389,7 @@
                 </a:solidFill>
                 <a:ea typeface="+mn-ea"/>
               </a:rPr>
-              <a:t> </a:t>
-            </a:r>
-            <a:r>
-              <a:rPr lang="en-US" altLang="zh-CN" b="0" dirty="0" smtClean="0">
-                <a:solidFill>
-                  <a:schemeClr val="accent1">
-                    <a:lumMod val="10000"/>
-                  </a:schemeClr>
-                </a:solidFill>
-                <a:ea typeface="+mn-ea"/>
-              </a:rPr>
-              <a:t>ISO </a:t>
-            </a:r>
-            <a:r>
-              <a:rPr lang="en-US" altLang="zh-CN" b="0" dirty="0" smtClean="0">
-                <a:solidFill>
-                  <a:schemeClr val="accent1">
-                    <a:lumMod val="10000"/>
-                  </a:schemeClr>
-                </a:solidFill>
-                <a:ea typeface="+mn-ea"/>
-              </a:rPr>
-              <a:t>9000</a:t>
+              <a:t> ISO 9000</a:t>
             </a:r>
             <a:endParaRPr lang="en-US" altLang="zh-CN" b="0" dirty="0">
               <a:solidFill>
@@ -37811,6 +36729,671 @@
       <p:bldP spid="17413" grpId="0" animBg="1"/>
       <p:bldP spid="11" grpId="0" animBg="1"/>
     </p:bldLst>
+  </p:timing>
+</p:sld>
+</file>
+
+<file path=ppt/slides/slide9.xml><?xml version="1.0" encoding="utf-8"?>
+<p:sld xmlns:a="http://schemas.openxmlformats.org/drawingml/2006/main" xmlns:r="http://schemas.openxmlformats.org/officeDocument/2006/relationships" xmlns:p="http://schemas.openxmlformats.org/presentationml/2006/main">
+  <p:cSld>
+    <p:spTree>
+      <p:nvGrpSpPr>
+        <p:cNvPr id="1" name=""/>
+        <p:cNvGrpSpPr/>
+        <p:nvPr/>
+      </p:nvGrpSpPr>
+      <p:grpSpPr>
+        <a:xfrm>
+          <a:off x="0" y="0"/>
+          <a:ext cx="0" cy="0"/>
+          <a:chOff x="0" y="0"/>
+          <a:chExt cx="0" cy="0"/>
+        </a:xfrm>
+      </p:grpSpPr>
+      <p:sp>
+        <p:nvSpPr>
+          <p:cNvPr id="18434" name="Rectangle 2"/>
+          <p:cNvSpPr>
+            <a:spLocks noGrp="1" noChangeArrowheads="1"/>
+          </p:cNvSpPr>
+          <p:nvPr>
+            <p:ph type="title"/>
+          </p:nvPr>
+        </p:nvSpPr>
+        <p:spPr/>
+        <p:txBody>
+          <a:bodyPr/>
+          <a:lstStyle/>
+          <a:p>
+            <a:r>
+              <a:rPr lang="en-US" altLang="zh-CN" b="1" dirty="0">
+                <a:latin typeface="黑体" pitchFamily="49" charset="-122"/>
+                <a:ea typeface="黑体" pitchFamily="49" charset="-122"/>
+              </a:rPr>
+              <a:t>McCall</a:t>
+            </a:r>
+            <a:r>
+              <a:rPr lang="zh-CN" altLang="en-US" b="1" dirty="0">
+                <a:latin typeface="黑体" pitchFamily="49" charset="-122"/>
+                <a:ea typeface="黑体" pitchFamily="49" charset="-122"/>
+              </a:rPr>
+              <a:t>模型</a:t>
+            </a:r>
+            <a:endParaRPr lang="en-US" altLang="zh-CN" b="1" dirty="0">
+              <a:latin typeface="黑体" pitchFamily="49" charset="-122"/>
+              <a:ea typeface="黑体" pitchFamily="49" charset="-122"/>
+            </a:endParaRPr>
+          </a:p>
+        </p:txBody>
+      </p:sp>
+      <p:grpSp>
+        <p:nvGrpSpPr>
+          <p:cNvPr id="18435" name="组合 73"/>
+          <p:cNvGrpSpPr>
+            <a:grpSpLocks/>
+          </p:cNvGrpSpPr>
+          <p:nvPr/>
+        </p:nvGrpSpPr>
+        <p:grpSpPr bwMode="auto">
+          <a:xfrm>
+            <a:off x="1136651" y="1052736"/>
+            <a:ext cx="6875234" cy="4384673"/>
+            <a:chOff x="1940169" y="1792012"/>
+            <a:chExt cx="4481066" cy="2680339"/>
+          </a:xfrm>
+        </p:grpSpPr>
+        <p:sp>
+          <p:nvSpPr>
+            <p:cNvPr id="71" name="直角三角形 70"/>
+            <p:cNvSpPr/>
+            <p:nvPr/>
+          </p:nvSpPr>
+          <p:spPr bwMode="auto">
+            <a:xfrm rot="16200000">
+              <a:off x="1729585" y="2011329"/>
+              <a:ext cx="2671606" cy="2250437"/>
+            </a:xfrm>
+            <a:prstGeom prst="rtTriangle">
+              <a:avLst/>
+            </a:prstGeom>
+            <a:ln>
+              <a:headEnd type="none" w="med" len="med"/>
+              <a:tailEnd type="none" w="med" len="med"/>
+            </a:ln>
+          </p:spPr>
+          <p:style>
+            <a:lnRef idx="1">
+              <a:schemeClr val="accent1"/>
+            </a:lnRef>
+            <a:fillRef idx="2">
+              <a:schemeClr val="accent1"/>
+            </a:fillRef>
+            <a:effectRef idx="1">
+              <a:schemeClr val="accent1"/>
+            </a:effectRef>
+            <a:fontRef idx="minor">
+              <a:schemeClr val="dk1"/>
+            </a:fontRef>
+          </p:style>
+          <p:txBody>
+            <a:bodyPr/>
+            <a:lstStyle/>
+            <a:p>
+              <a:pPr eaLnBrk="0" hangingPunct="0">
+                <a:defRPr/>
+              </a:pPr>
+              <a:endParaRPr lang="zh-CN" altLang="en-US" b="0">
+                <a:ea typeface="+mn-ea"/>
+              </a:endParaRPr>
+            </a:p>
+          </p:txBody>
+        </p:sp>
+        <p:sp>
+          <p:nvSpPr>
+            <p:cNvPr id="72" name="直角三角形 71"/>
+            <p:cNvSpPr/>
+            <p:nvPr/>
+          </p:nvSpPr>
+          <p:spPr bwMode="auto">
+            <a:xfrm rot="16200000" flipV="1">
+              <a:off x="3957258" y="2002596"/>
+              <a:ext cx="2671606" cy="2250437"/>
+            </a:xfrm>
+            <a:prstGeom prst="rtTriangle">
+              <a:avLst/>
+            </a:prstGeom>
+            <a:ln>
+              <a:headEnd type="none" w="med" len="med"/>
+              <a:tailEnd type="none" w="med" len="med"/>
+            </a:ln>
+          </p:spPr>
+          <p:style>
+            <a:lnRef idx="1">
+              <a:schemeClr val="accent1"/>
+            </a:lnRef>
+            <a:fillRef idx="2">
+              <a:schemeClr val="accent1"/>
+            </a:fillRef>
+            <a:effectRef idx="1">
+              <a:schemeClr val="accent1"/>
+            </a:effectRef>
+            <a:fontRef idx="minor">
+              <a:schemeClr val="dk1"/>
+            </a:fontRef>
+          </p:style>
+          <p:txBody>
+            <a:bodyPr/>
+            <a:lstStyle/>
+            <a:p>
+              <a:pPr eaLnBrk="0" hangingPunct="0">
+                <a:defRPr/>
+              </a:pPr>
+              <a:endParaRPr lang="zh-CN" altLang="en-US" b="0">
+                <a:ea typeface="+mn-ea"/>
+              </a:endParaRPr>
+            </a:p>
+          </p:txBody>
+        </p:sp>
+        <p:sp>
+          <p:nvSpPr>
+            <p:cNvPr id="73" name="等腰三角形 72"/>
+            <p:cNvSpPr/>
+            <p:nvPr/>
+          </p:nvSpPr>
+          <p:spPr bwMode="auto">
+            <a:xfrm>
+              <a:off x="1965592" y="3160602"/>
+              <a:ext cx="4455643" cy="1305928"/>
+            </a:xfrm>
+            <a:prstGeom prst="triangle">
+              <a:avLst>
+                <a:gd name="adj" fmla="val 49576"/>
+              </a:avLst>
+            </a:prstGeom>
+            <a:ln>
+              <a:headEnd type="none" w="med" len="med"/>
+              <a:tailEnd type="none" w="med" len="med"/>
+            </a:ln>
+          </p:spPr>
+          <p:style>
+            <a:lnRef idx="1">
+              <a:schemeClr val="accent1"/>
+            </a:lnRef>
+            <a:fillRef idx="2">
+              <a:schemeClr val="accent1"/>
+            </a:fillRef>
+            <a:effectRef idx="1">
+              <a:schemeClr val="accent1"/>
+            </a:effectRef>
+            <a:fontRef idx="minor">
+              <a:schemeClr val="dk1"/>
+            </a:fontRef>
+          </p:style>
+          <p:txBody>
+            <a:bodyPr/>
+            <a:lstStyle/>
+            <a:p>
+              <a:pPr eaLnBrk="0" hangingPunct="0">
+                <a:defRPr/>
+              </a:pPr>
+              <a:endParaRPr lang="zh-CN" altLang="en-US" b="0">
+                <a:ea typeface="+mn-ea"/>
+              </a:endParaRPr>
+            </a:p>
+          </p:txBody>
+        </p:sp>
+      </p:grpSp>
+      <p:sp>
+        <p:nvSpPr>
+          <p:cNvPr id="18436" name="TextBox 74"/>
+          <p:cNvSpPr txBox="1">
+            <a:spLocks noChangeArrowheads="1"/>
+          </p:cNvSpPr>
+          <p:nvPr/>
+        </p:nvSpPr>
+        <p:spPr bwMode="auto">
+          <a:xfrm>
+            <a:off x="3317208" y="3105603"/>
+            <a:ext cx="862905" cy="677108"/>
+          </a:xfrm>
+          <a:prstGeom prst="rect">
+            <a:avLst/>
+          </a:prstGeom>
+          <a:noFill/>
+          <a:ln w="9525">
+            <a:noFill/>
+            <a:miter lim="800000"/>
+            <a:headEnd/>
+            <a:tailEnd/>
+          </a:ln>
+        </p:spPr>
+        <p:txBody>
+          <a:bodyPr wrap="square">
+            <a:spAutoFit/>
+          </a:bodyPr>
+          <a:lstStyle/>
+          <a:p>
+            <a:pPr eaLnBrk="0" hangingPunct="0"/>
+            <a:r>
+              <a:rPr lang="zh-CN" altLang="en-US" dirty="0">
+                <a:solidFill>
+                  <a:srgbClr val="002060"/>
+                </a:solidFill>
+              </a:rPr>
+              <a:t>产品修订</a:t>
+            </a:r>
+          </a:p>
+        </p:txBody>
+      </p:sp>
+      <p:sp>
+        <p:nvSpPr>
+          <p:cNvPr id="18437" name="TextBox 75"/>
+          <p:cNvSpPr txBox="1">
+            <a:spLocks noChangeArrowheads="1"/>
+          </p:cNvSpPr>
+          <p:nvPr/>
+        </p:nvSpPr>
+        <p:spPr bwMode="auto">
+          <a:xfrm>
+            <a:off x="4967514" y="3069935"/>
+            <a:ext cx="685800" cy="677863"/>
+          </a:xfrm>
+          <a:prstGeom prst="rect">
+            <a:avLst/>
+          </a:prstGeom>
+          <a:noFill/>
+          <a:ln w="9525">
+            <a:noFill/>
+            <a:miter lim="800000"/>
+            <a:headEnd/>
+            <a:tailEnd/>
+          </a:ln>
+        </p:spPr>
+        <p:txBody>
+          <a:bodyPr>
+            <a:spAutoFit/>
+          </a:bodyPr>
+          <a:lstStyle/>
+          <a:p>
+            <a:pPr eaLnBrk="0" hangingPunct="0"/>
+            <a:r>
+              <a:rPr lang="zh-CN" altLang="en-US" dirty="0">
+                <a:solidFill>
+                  <a:srgbClr val="002060"/>
+                </a:solidFill>
+              </a:rPr>
+              <a:t>产品变迁</a:t>
+            </a:r>
+          </a:p>
+        </p:txBody>
+      </p:sp>
+      <p:sp>
+        <p:nvSpPr>
+          <p:cNvPr id="18438" name="TextBox 76"/>
+          <p:cNvSpPr txBox="1">
+            <a:spLocks noChangeArrowheads="1"/>
+          </p:cNvSpPr>
+          <p:nvPr/>
+        </p:nvSpPr>
+        <p:spPr bwMode="auto">
+          <a:xfrm>
+            <a:off x="3807368" y="4756603"/>
+            <a:ext cx="1882231" cy="400110"/>
+          </a:xfrm>
+          <a:prstGeom prst="rect">
+            <a:avLst/>
+          </a:prstGeom>
+          <a:noFill/>
+          <a:ln w="9525">
+            <a:noFill/>
+            <a:miter lim="800000"/>
+            <a:headEnd/>
+            <a:tailEnd/>
+          </a:ln>
+        </p:spPr>
+        <p:txBody>
+          <a:bodyPr wrap="square">
+            <a:spAutoFit/>
+          </a:bodyPr>
+          <a:lstStyle/>
+          <a:p>
+            <a:pPr eaLnBrk="0" hangingPunct="0"/>
+            <a:r>
+              <a:rPr lang="zh-CN" altLang="en-US" sz="2000" dirty="0">
+                <a:solidFill>
+                  <a:srgbClr val="002060"/>
+                </a:solidFill>
+              </a:rPr>
+              <a:t>产品运行</a:t>
+            </a:r>
+          </a:p>
+        </p:txBody>
+      </p:sp>
+      <p:sp>
+        <p:nvSpPr>
+          <p:cNvPr id="18439" name="TextBox 77"/>
+          <p:cNvSpPr txBox="1">
+            <a:spLocks noChangeArrowheads="1"/>
+          </p:cNvSpPr>
+          <p:nvPr/>
+        </p:nvSpPr>
+        <p:spPr bwMode="auto">
+          <a:xfrm>
+            <a:off x="1765935" y="2137728"/>
+            <a:ext cx="1589088" cy="1292662"/>
+          </a:xfrm>
+          <a:prstGeom prst="rect">
+            <a:avLst/>
+          </a:prstGeom>
+          <a:noFill/>
+          <a:ln w="9525">
+            <a:noFill/>
+            <a:miter lim="800000"/>
+            <a:headEnd/>
+            <a:tailEnd/>
+          </a:ln>
+        </p:spPr>
+        <p:txBody>
+          <a:bodyPr>
+            <a:spAutoFit/>
+          </a:bodyPr>
+          <a:lstStyle/>
+          <a:p>
+            <a:pPr eaLnBrk="0" hangingPunct="0"/>
+            <a:r>
+              <a:rPr lang="zh-CN" altLang="en-US" sz="2000" dirty="0">
+                <a:latin typeface="微软雅黑" pitchFamily="34" charset="-122"/>
+                <a:ea typeface="微软雅黑" pitchFamily="34" charset="-122"/>
+              </a:rPr>
+              <a:t>可维护性</a:t>
+            </a:r>
+            <a:endParaRPr lang="en-US" altLang="zh-CN" sz="2000" dirty="0">
+              <a:latin typeface="微软雅黑" pitchFamily="34" charset="-122"/>
+              <a:ea typeface="微软雅黑" pitchFamily="34" charset="-122"/>
+            </a:endParaRPr>
+          </a:p>
+          <a:p>
+            <a:pPr eaLnBrk="0" hangingPunct="0"/>
+            <a:r>
+              <a:rPr lang="zh-CN" altLang="en-US" sz="2000" dirty="0">
+                <a:latin typeface="微软雅黑" pitchFamily="34" charset="-122"/>
+                <a:ea typeface="微软雅黑" pitchFamily="34" charset="-122"/>
+              </a:rPr>
+              <a:t>可测试性</a:t>
+            </a:r>
+            <a:endParaRPr lang="en-US" altLang="zh-CN" sz="2000" dirty="0">
+              <a:latin typeface="微软雅黑" pitchFamily="34" charset="-122"/>
+              <a:ea typeface="微软雅黑" pitchFamily="34" charset="-122"/>
+            </a:endParaRPr>
+          </a:p>
+          <a:p>
+            <a:pPr eaLnBrk="0" hangingPunct="0"/>
+            <a:r>
+              <a:rPr lang="zh-CN" altLang="en-US" sz="2000" dirty="0">
+                <a:latin typeface="微软雅黑" pitchFamily="34" charset="-122"/>
+                <a:ea typeface="微软雅黑" pitchFamily="34" charset="-122"/>
+              </a:rPr>
+              <a:t>灵活性</a:t>
+            </a:r>
+            <a:endParaRPr lang="en-US" altLang="zh-CN" sz="2000" dirty="0">
+              <a:latin typeface="微软雅黑" pitchFamily="34" charset="-122"/>
+              <a:ea typeface="微软雅黑" pitchFamily="34" charset="-122"/>
+            </a:endParaRPr>
+          </a:p>
+          <a:p>
+            <a:pPr eaLnBrk="0" hangingPunct="0"/>
+            <a:endParaRPr lang="zh-CN" altLang="en-US" b="0" dirty="0">
+              <a:solidFill>
+                <a:srgbClr val="002060"/>
+              </a:solidFill>
+            </a:endParaRPr>
+          </a:p>
+        </p:txBody>
+      </p:sp>
+      <p:sp>
+        <p:nvSpPr>
+          <p:cNvPr id="18440" name="TextBox 78"/>
+          <p:cNvSpPr txBox="1">
+            <a:spLocks noChangeArrowheads="1"/>
+          </p:cNvSpPr>
+          <p:nvPr/>
+        </p:nvSpPr>
+        <p:spPr bwMode="auto">
+          <a:xfrm>
+            <a:off x="6480684" y="2168525"/>
+            <a:ext cx="1589088" cy="1015663"/>
+          </a:xfrm>
+          <a:prstGeom prst="rect">
+            <a:avLst/>
+          </a:prstGeom>
+          <a:noFill/>
+          <a:ln w="9525">
+            <a:noFill/>
+            <a:miter lim="800000"/>
+            <a:headEnd/>
+            <a:tailEnd/>
+          </a:ln>
+        </p:spPr>
+        <p:txBody>
+          <a:bodyPr>
+            <a:spAutoFit/>
+          </a:bodyPr>
+          <a:lstStyle/>
+          <a:p>
+            <a:pPr eaLnBrk="0" hangingPunct="0"/>
+            <a:r>
+              <a:rPr lang="zh-CN" altLang="en-US" sz="2000" dirty="0">
+                <a:latin typeface="微软雅黑" pitchFamily="34" charset="-122"/>
+                <a:ea typeface="微软雅黑" pitchFamily="34" charset="-122"/>
+              </a:rPr>
+              <a:t>可移植性</a:t>
+            </a:r>
+            <a:endParaRPr lang="en-US" altLang="zh-CN" sz="2000" dirty="0">
+              <a:latin typeface="微软雅黑" pitchFamily="34" charset="-122"/>
+              <a:ea typeface="微软雅黑" pitchFamily="34" charset="-122"/>
+            </a:endParaRPr>
+          </a:p>
+          <a:p>
+            <a:pPr eaLnBrk="0" hangingPunct="0"/>
+            <a:r>
+              <a:rPr lang="zh-CN" altLang="en-US" sz="2000" dirty="0">
+                <a:latin typeface="微软雅黑" pitchFamily="34" charset="-122"/>
+                <a:ea typeface="微软雅黑" pitchFamily="34" charset="-122"/>
+              </a:rPr>
+              <a:t>可复用性</a:t>
+            </a:r>
+            <a:endParaRPr lang="en-US" altLang="zh-CN" sz="2000" dirty="0">
+              <a:latin typeface="微软雅黑" pitchFamily="34" charset="-122"/>
+              <a:ea typeface="微软雅黑" pitchFamily="34" charset="-122"/>
+            </a:endParaRPr>
+          </a:p>
+          <a:p>
+            <a:pPr eaLnBrk="0" hangingPunct="0"/>
+            <a:r>
+              <a:rPr lang="zh-CN" altLang="en-US" sz="2000" dirty="0">
+                <a:latin typeface="微软雅黑" pitchFamily="34" charset="-122"/>
+                <a:ea typeface="微软雅黑" pitchFamily="34" charset="-122"/>
+              </a:rPr>
+              <a:t>互联性</a:t>
+            </a:r>
+          </a:p>
+        </p:txBody>
+      </p:sp>
+      <p:sp>
+        <p:nvSpPr>
+          <p:cNvPr id="18441" name="TextBox 79"/>
+          <p:cNvSpPr txBox="1">
+            <a:spLocks noChangeArrowheads="1"/>
+          </p:cNvSpPr>
+          <p:nvPr/>
+        </p:nvSpPr>
+        <p:spPr bwMode="auto">
+          <a:xfrm>
+            <a:off x="2216785" y="5661248"/>
+            <a:ext cx="4356100" cy="400110"/>
+          </a:xfrm>
+          <a:prstGeom prst="rect">
+            <a:avLst/>
+          </a:prstGeom>
+          <a:noFill/>
+          <a:ln w="9525">
+            <a:noFill/>
+            <a:miter lim="800000"/>
+            <a:headEnd/>
+            <a:tailEnd/>
+          </a:ln>
+        </p:spPr>
+        <p:txBody>
+          <a:bodyPr>
+            <a:spAutoFit/>
+          </a:bodyPr>
+          <a:lstStyle/>
+          <a:p>
+            <a:pPr eaLnBrk="0" hangingPunct="0"/>
+            <a:r>
+              <a:rPr lang="zh-CN" altLang="en-US" sz="2000" dirty="0">
+                <a:latin typeface="微软雅黑" pitchFamily="34" charset="-122"/>
+                <a:ea typeface="微软雅黑" pitchFamily="34" charset="-122"/>
+              </a:rPr>
+              <a:t>正确性</a:t>
+            </a:r>
+            <a:r>
+              <a:rPr lang="en-US" altLang="zh-CN" sz="2000" dirty="0">
+                <a:latin typeface="微软雅黑" pitchFamily="34" charset="-122"/>
+                <a:ea typeface="微软雅黑" pitchFamily="34" charset="-122"/>
+              </a:rPr>
+              <a:t>	</a:t>
+            </a:r>
+            <a:r>
+              <a:rPr lang="zh-CN" altLang="en-US" sz="2000" dirty="0">
+                <a:latin typeface="微软雅黑" pitchFamily="34" charset="-122"/>
+                <a:ea typeface="微软雅黑" pitchFamily="34" charset="-122"/>
+              </a:rPr>
+              <a:t>可靠性</a:t>
+            </a:r>
+            <a:r>
+              <a:rPr lang="en-US" altLang="zh-CN" sz="2000" dirty="0">
+                <a:latin typeface="微软雅黑" pitchFamily="34" charset="-122"/>
+                <a:ea typeface="微软雅黑" pitchFamily="34" charset="-122"/>
+              </a:rPr>
+              <a:t>	</a:t>
+            </a:r>
+            <a:r>
+              <a:rPr lang="zh-CN" altLang="en-US" sz="2000" dirty="0">
+                <a:latin typeface="微软雅黑" pitchFamily="34" charset="-122"/>
+                <a:ea typeface="微软雅黑" pitchFamily="34" charset="-122"/>
+              </a:rPr>
+              <a:t>可用性</a:t>
+            </a:r>
+            <a:r>
+              <a:rPr lang="en-US" altLang="zh-CN" sz="2000" dirty="0">
+                <a:latin typeface="微软雅黑" pitchFamily="34" charset="-122"/>
+                <a:ea typeface="微软雅黑" pitchFamily="34" charset="-122"/>
+              </a:rPr>
+              <a:t>	</a:t>
+            </a:r>
+            <a:r>
+              <a:rPr lang="zh-CN" altLang="en-US" sz="2000" dirty="0">
+                <a:latin typeface="微软雅黑" pitchFamily="34" charset="-122"/>
+                <a:ea typeface="微软雅黑" pitchFamily="34" charset="-122"/>
+              </a:rPr>
+              <a:t>完整性</a:t>
+            </a:r>
+            <a:r>
+              <a:rPr lang="en-US" altLang="zh-CN" sz="2000" dirty="0">
+                <a:latin typeface="微软雅黑" pitchFamily="34" charset="-122"/>
+                <a:ea typeface="微软雅黑" pitchFamily="34" charset="-122"/>
+              </a:rPr>
+              <a:t>	</a:t>
+            </a:r>
+            <a:r>
+              <a:rPr lang="zh-CN" altLang="en-US" sz="2000" dirty="0">
+                <a:latin typeface="微软雅黑" pitchFamily="34" charset="-122"/>
+                <a:ea typeface="微软雅黑" pitchFamily="34" charset="-122"/>
+              </a:rPr>
+              <a:t>效率</a:t>
+            </a:r>
+          </a:p>
+        </p:txBody>
+      </p:sp>
+      <p:sp>
+        <p:nvSpPr>
+          <p:cNvPr id="13" name="矩形 12"/>
+          <p:cNvSpPr/>
+          <p:nvPr/>
+        </p:nvSpPr>
+        <p:spPr>
+          <a:xfrm>
+            <a:off x="395536" y="1587468"/>
+            <a:ext cx="2085827" cy="581057"/>
+          </a:xfrm>
+          <a:prstGeom prst="rect">
+            <a:avLst/>
+          </a:prstGeom>
+        </p:spPr>
+        <p:txBody>
+          <a:bodyPr wrap="none">
+            <a:spAutoFit/>
+          </a:bodyPr>
+          <a:lstStyle/>
+          <a:p>
+            <a:pPr defTabSz="0" fontAlgn="base">
+              <a:lnSpc>
+                <a:spcPct val="150000"/>
+              </a:lnSpc>
+              <a:spcBef>
+                <a:spcPct val="0"/>
+              </a:spcBef>
+              <a:spcAft>
+                <a:spcPct val="15000"/>
+              </a:spcAft>
+              <a:buClr>
+                <a:schemeClr val="tx2"/>
+              </a:buClr>
+              <a:defRPr/>
+            </a:pPr>
+            <a:r>
+              <a:rPr lang="en-US" altLang="zh-CN" sz="2400" dirty="0">
+                <a:solidFill>
+                  <a:srgbClr val="FF0000"/>
+                </a:solidFill>
+                <a:latin typeface="微软雅黑" pitchFamily="34" charset="-122"/>
+                <a:ea typeface="微软雅黑" pitchFamily="34" charset="-122"/>
+              </a:rPr>
+              <a:t>11</a:t>
+            </a:r>
+            <a:r>
+              <a:rPr lang="zh-CN" altLang="en-US" sz="2400" dirty="0">
+                <a:solidFill>
+                  <a:srgbClr val="FF0000"/>
+                </a:solidFill>
+                <a:latin typeface="微软雅黑" pitchFamily="34" charset="-122"/>
+                <a:ea typeface="微软雅黑" pitchFamily="34" charset="-122"/>
+              </a:rPr>
+              <a:t>个质量特性</a:t>
+            </a:r>
+          </a:p>
+        </p:txBody>
+      </p:sp>
+    </p:spTree>
+    <p:extLst>
+      <p:ext uri="{BB962C8B-B14F-4D97-AF65-F5344CB8AC3E}">
+        <p14:creationId xmlns:p14="http://schemas.microsoft.com/office/powerpoint/2010/main" val="3664610323"/>
+      </p:ext>
+    </p:extLst>
+  </p:cSld>
+  <p:clrMapOvr>
+    <a:masterClrMapping/>
+  </p:clrMapOvr>
+  <p:transition>
+    <p:randomBar dir="vert"/>
+  </p:transition>
+  <p:timing>
+    <p:tnLst>
+      <p:par>
+        <p:cTn id="1" dur="indefinite" restart="never" nodeType="tmRoot"/>
+      </p:par>
+    </p:tnLst>
   </p:timing>
 </p:sld>
 </file>
